--- a/API/REST/REST_bitesized.pptx
+++ b/API/REST/REST_bitesized.pptx
@@ -5,7 +5,7 @@
     <p:sldMasterId id="2147483660" r:id="rId1"/>
   </p:sldMasterIdLst>
   <p:notesMasterIdLst>
-    <p:notesMasterId r:id="rId64"/>
+    <p:notesMasterId r:id="rId65"/>
   </p:notesMasterIdLst>
   <p:sldIdLst>
     <p:sldId id="257" r:id="rId2"/>
@@ -60,16 +60,17 @@
     <p:sldId id="346" r:id="rId51"/>
     <p:sldId id="349" r:id="rId52"/>
     <p:sldId id="307" r:id="rId53"/>
-    <p:sldId id="287" r:id="rId54"/>
-    <p:sldId id="300" r:id="rId55"/>
-    <p:sldId id="295" r:id="rId56"/>
-    <p:sldId id="301" r:id="rId57"/>
-    <p:sldId id="302" r:id="rId58"/>
-    <p:sldId id="273" r:id="rId59"/>
-    <p:sldId id="282" r:id="rId60"/>
-    <p:sldId id="289" r:id="rId61"/>
-    <p:sldId id="290" r:id="rId62"/>
-    <p:sldId id="305" r:id="rId63"/>
+    <p:sldId id="350" r:id="rId54"/>
+    <p:sldId id="287" r:id="rId55"/>
+    <p:sldId id="300" r:id="rId56"/>
+    <p:sldId id="295" r:id="rId57"/>
+    <p:sldId id="301" r:id="rId58"/>
+    <p:sldId id="302" r:id="rId59"/>
+    <p:sldId id="273" r:id="rId60"/>
+    <p:sldId id="282" r:id="rId61"/>
+    <p:sldId id="289" r:id="rId62"/>
+    <p:sldId id="290" r:id="rId63"/>
+    <p:sldId id="305" r:id="rId64"/>
   </p:sldIdLst>
   <p:sldSz cx="9144000" cy="6858000" type="screen4x3"/>
   <p:notesSz cx="6858000" cy="9144000"/>
@@ -4228,6 +4229,101 @@
 </p:notes>
 </file>
 
+<file path=ppt/notesSlides/notesSlide7.xml><?xml version="1.0" encoding="utf-8"?>
+<p:notes xmlns:a="http://schemas.openxmlformats.org/drawingml/2006/main" xmlns:r="http://schemas.openxmlformats.org/officeDocument/2006/relationships" xmlns:p="http://schemas.openxmlformats.org/presentationml/2006/main">
+  <p:cSld>
+    <p:spTree>
+      <p:nvGrpSpPr>
+        <p:cNvPr id="1" name=""/>
+        <p:cNvGrpSpPr/>
+        <p:nvPr/>
+      </p:nvGrpSpPr>
+      <p:grpSpPr>
+        <a:xfrm>
+          <a:off x="0" y="0"/>
+          <a:ext cx="0" cy="0"/>
+          <a:chOff x="0" y="0"/>
+          <a:chExt cx="0" cy="0"/>
+        </a:xfrm>
+      </p:grpSpPr>
+      <p:sp>
+        <p:nvSpPr>
+          <p:cNvPr id="2" name="Slide Image Placeholder 1"/>
+          <p:cNvSpPr>
+            <a:spLocks noGrp="1" noRot="1" noChangeAspect="1"/>
+          </p:cNvSpPr>
+          <p:nvPr>
+            <p:ph type="sldImg"/>
+          </p:nvPr>
+        </p:nvSpPr>
+        <p:spPr/>
+      </p:sp>
+      <p:sp>
+        <p:nvSpPr>
+          <p:cNvPr id="3" name="Notes Placeholder 2"/>
+          <p:cNvSpPr>
+            <a:spLocks noGrp="1"/>
+          </p:cNvSpPr>
+          <p:nvPr>
+            <p:ph type="body" idx="1"/>
+          </p:nvPr>
+        </p:nvSpPr>
+        <p:spPr/>
+        <p:txBody>
+          <a:bodyPr/>
+          <a:lstStyle/>
+          <a:p>
+            <a:endParaRPr lang="en-US" dirty="0"/>
+          </a:p>
+        </p:txBody>
+      </p:sp>
+      <p:sp>
+        <p:nvSpPr>
+          <p:cNvPr id="4" name="Slide Number Placeholder 3"/>
+          <p:cNvSpPr>
+            <a:spLocks noGrp="1"/>
+          </p:cNvSpPr>
+          <p:nvPr>
+            <p:ph type="sldNum" sz="quarter" idx="10"/>
+          </p:nvPr>
+        </p:nvSpPr>
+        <p:spPr/>
+        <p:txBody>
+          <a:bodyPr/>
+          <a:lstStyle/>
+          <a:p>
+            <a:fld id="{3E5DEB2C-9A45-B240-ADF6-DF2FE1AAB192}" type="slidenum">
+              <a:rPr lang="en-US" smtClean="0">
+                <a:solidFill>
+                  <a:prstClr val="black"/>
+                </a:solidFill>
+                <a:latin typeface="Calibri"/>
+              </a:rPr>
+              <a:pPr/>
+              <a:t>53</a:t>
+            </a:fld>
+            <a:endParaRPr lang="en-US">
+              <a:solidFill>
+                <a:prstClr val="black"/>
+              </a:solidFill>
+              <a:latin typeface="Calibri"/>
+            </a:endParaRPr>
+          </a:p>
+        </p:txBody>
+      </p:sp>
+    </p:spTree>
+    <p:extLst>
+      <p:ext uri="{BB962C8B-B14F-4D97-AF65-F5344CB8AC3E}">
+        <p14:creationId xmlns:p14="http://schemas.microsoft.com/office/powerpoint/2010/main" val="3127203647"/>
+      </p:ext>
+    </p:extLst>
+  </p:cSld>
+  <p:clrMapOvr>
+    <a:masterClrMapping/>
+  </p:clrMapOvr>
+</p:notes>
+</file>
+
 <file path=ppt/slideLayouts/slideLayout1.xml><?xml version="1.0" encoding="utf-8"?>
 <p:sldLayout xmlns:a="http://schemas.openxmlformats.org/drawingml/2006/main" xmlns:r="http://schemas.openxmlformats.org/officeDocument/2006/relationships" xmlns:p="http://schemas.openxmlformats.org/presentationml/2006/main" showMasterSp="0" type="title" preserve="1">
   <p:cSld name="Title Slide">
@@ -18495,6 +18591,782 @@
       </p:grpSpPr>
       <p:sp>
         <p:nvSpPr>
+          <p:cNvPr id="23" name="Title 1"/>
+          <p:cNvSpPr>
+            <a:spLocks noGrp="1"/>
+          </p:cNvSpPr>
+          <p:nvPr>
+            <p:ph type="title"/>
+          </p:nvPr>
+        </p:nvSpPr>
+        <p:spPr>
+          <a:xfrm>
+            <a:off x="457200" y="31671"/>
+            <a:ext cx="8229600" cy="1143000"/>
+          </a:xfrm>
+        </p:spPr>
+        <p:txBody>
+          <a:bodyPr/>
+          <a:lstStyle/>
+          <a:p>
+            <a:r>
+              <a:rPr lang="en-US" dirty="0">
+                <a:latin typeface="Arial" charset="0"/>
+                <a:ea typeface="ＭＳ Ｐゴシック" charset="0"/>
+                <a:cs typeface="ＭＳ Ｐゴシック" charset="0"/>
+              </a:rPr>
+              <a:t>Ensembl Acknowledgements</a:t>
+            </a:r>
+          </a:p>
+        </p:txBody>
+      </p:sp>
+      <p:sp>
+        <p:nvSpPr>
+          <p:cNvPr id="24" name="Content Placeholder 2"/>
+          <p:cNvSpPr>
+            <a:spLocks noGrp="1"/>
+          </p:cNvSpPr>
+          <p:nvPr>
+            <p:ph sz="half" idx="2"/>
+          </p:nvPr>
+        </p:nvSpPr>
+        <p:spPr>
+          <a:xfrm>
+            <a:off x="486374" y="716075"/>
+            <a:ext cx="4040188" cy="485934"/>
+          </a:xfrm>
+        </p:spPr>
+        <p:txBody>
+          <a:bodyPr/>
+          <a:lstStyle/>
+          <a:p>
+            <a:pPr marL="0" indent="0">
+              <a:buFont typeface="Times" charset="0"/>
+              <a:buNone/>
+            </a:pPr>
+            <a:r>
+              <a:rPr lang="en-US" b="1" dirty="0">
+                <a:latin typeface="Arial" charset="0"/>
+                <a:ea typeface="ＭＳ Ｐゴシック" charset="0"/>
+                <a:cs typeface="ＭＳ Ｐゴシック" charset="0"/>
+              </a:rPr>
+              <a:t>The Entire Ensembl Team</a:t>
+            </a:r>
+          </a:p>
+        </p:txBody>
+      </p:sp>
+      <p:sp>
+        <p:nvSpPr>
+          <p:cNvPr id="25" name="Text Placeholder 12"/>
+          <p:cNvSpPr>
+            <a:spLocks noGrp="1"/>
+          </p:cNvSpPr>
+          <p:nvPr>
+            <p:ph type="body" sz="quarter" idx="3"/>
+          </p:nvPr>
+        </p:nvSpPr>
+        <p:spPr>
+          <a:xfrm>
+            <a:off x="-10681" y="4525882"/>
+            <a:ext cx="1481221" cy="481212"/>
+          </a:xfrm>
+        </p:spPr>
+        <p:txBody>
+          <a:bodyPr>
+            <a:noAutofit/>
+          </a:bodyPr>
+          <a:lstStyle/>
+          <a:p>
+            <a:pPr algn="r"/>
+            <a:r>
+              <a:rPr lang="en-US" dirty="0">
+                <a:latin typeface="Arial" charset="0"/>
+                <a:ea typeface="ＭＳ Ｐゴシック" charset="0"/>
+                <a:cs typeface="ＭＳ Ｐゴシック" charset="0"/>
+              </a:rPr>
+              <a:t>Funding</a:t>
+            </a:r>
+          </a:p>
+        </p:txBody>
+      </p:sp>
+      <p:sp>
+        <p:nvSpPr>
+          <p:cNvPr id="26" name="Content Placeholder 13"/>
+          <p:cNvSpPr>
+            <a:spLocks noGrp="1"/>
+          </p:cNvSpPr>
+          <p:nvPr>
+            <p:ph sz="quarter" idx="4"/>
+          </p:nvPr>
+        </p:nvSpPr>
+        <p:spPr>
+          <a:xfrm>
+            <a:off x="4500563" y="1201738"/>
+            <a:ext cx="4041775" cy="3951287"/>
+          </a:xfrm>
+        </p:spPr>
+        <p:txBody>
+          <a:bodyPr/>
+          <a:lstStyle/>
+          <a:p>
+            <a:pPr marL="0" indent="0">
+              <a:buFont typeface="Times" charset="0"/>
+              <a:buNone/>
+            </a:pPr>
+            <a:r>
+              <a:rPr lang="en-US">
+                <a:latin typeface="Arial" charset="0"/>
+                <a:ea typeface="ＭＳ Ｐゴシック" charset="0"/>
+                <a:cs typeface="ＭＳ Ｐゴシック" charset="0"/>
+              </a:rPr>
+              <a:t> </a:t>
+            </a:r>
+          </a:p>
+          <a:p>
+            <a:pPr marL="0" indent="0">
+              <a:buFont typeface="Times" charset="0"/>
+              <a:buNone/>
+            </a:pPr>
+            <a:endParaRPr lang="en-US">
+              <a:latin typeface="Arial" charset="0"/>
+              <a:ea typeface="ＭＳ Ｐゴシック" charset="0"/>
+              <a:cs typeface="ＭＳ Ｐゴシック" charset="0"/>
+            </a:endParaRPr>
+          </a:p>
+          <a:p>
+            <a:pPr marL="0" indent="0">
+              <a:buFont typeface="Times" charset="0"/>
+              <a:buNone/>
+            </a:pPr>
+            <a:endParaRPr lang="en-US">
+              <a:latin typeface="Arial" charset="0"/>
+              <a:ea typeface="ＭＳ Ｐゴシック" charset="0"/>
+              <a:cs typeface="ＭＳ Ｐゴシック" charset="0"/>
+            </a:endParaRPr>
+          </a:p>
+          <a:p>
+            <a:pPr marL="0" indent="0">
+              <a:buFont typeface="Times" charset="0"/>
+              <a:buNone/>
+            </a:pPr>
+            <a:endParaRPr lang="en-US">
+              <a:latin typeface="Arial" charset="0"/>
+              <a:ea typeface="ＭＳ Ｐゴシック" charset="0"/>
+              <a:cs typeface="ＭＳ Ｐゴシック" charset="0"/>
+            </a:endParaRPr>
+          </a:p>
+        </p:txBody>
+      </p:sp>
+      <p:pic>
+        <p:nvPicPr>
+          <p:cNvPr id="27" name="Picture 7"/>
+          <p:cNvPicPr>
+            <a:picLocks noChangeAspect="1"/>
+          </p:cNvPicPr>
+          <p:nvPr/>
+        </p:nvPicPr>
+        <p:blipFill>
+          <a:blip r:embed="rId3">
+            <a:extLst>
+              <a:ext uri="{28A0092B-C50C-407E-A947-70E740481C1C}">
+                <a14:useLocalDpi xmlns:a14="http://schemas.microsoft.com/office/drawing/2010/main" val="0"/>
+              </a:ext>
+            </a:extLst>
+          </a:blip>
+          <a:srcRect/>
+          <a:stretch>
+            <a:fillRect/>
+          </a:stretch>
+        </p:blipFill>
+        <p:spPr bwMode="auto">
+          <a:xfrm>
+            <a:off x="7642225" y="4741183"/>
+            <a:ext cx="1207670" cy="818573"/>
+          </a:xfrm>
+          <a:prstGeom prst="rect">
+            <a:avLst/>
+          </a:prstGeom>
+          <a:noFill/>
+          <a:ln>
+            <a:noFill/>
+          </a:ln>
+          <a:extLst>
+            <a:ext uri="{909E8E84-426E-40dd-AFC4-6F175D3DCCD1}">
+              <a14:hiddenFill xmlns:a14="http://schemas.microsoft.com/office/drawing/2010/main">
+                <a:solidFill>
+                  <a:srgbClr val="FFFFFF"/>
+                </a:solidFill>
+              </a14:hiddenFill>
+            </a:ext>
+            <a:ext uri="{91240B29-F687-4f45-9708-019B960494DF}">
+              <a14:hiddenLine xmlns:a14="http://schemas.microsoft.com/office/drawing/2010/main" w="9525">
+                <a:solidFill>
+                  <a:srgbClr val="000000"/>
+                </a:solidFill>
+                <a:miter lim="800000"/>
+                <a:headEnd/>
+                <a:tailEnd/>
+              </a14:hiddenLine>
+            </a:ext>
+          </a:extLst>
+        </p:spPr>
+      </p:pic>
+      <p:pic>
+        <p:nvPicPr>
+          <p:cNvPr id="28" name="Picture 8" descr="blueprint logo website.jpg"/>
+          <p:cNvPicPr>
+            <a:picLocks noChangeAspect="1"/>
+          </p:cNvPicPr>
+          <p:nvPr/>
+        </p:nvPicPr>
+        <p:blipFill>
+          <a:blip r:embed="rId4">
+            <a:extLst>
+              <a:ext uri="{28A0092B-C50C-407E-A947-70E740481C1C}">
+                <a14:useLocalDpi xmlns:a14="http://schemas.microsoft.com/office/drawing/2010/main" val="0"/>
+              </a:ext>
+            </a:extLst>
+          </a:blip>
+          <a:srcRect/>
+          <a:stretch>
+            <a:fillRect/>
+          </a:stretch>
+        </p:blipFill>
+        <p:spPr bwMode="auto">
+          <a:xfrm>
+            <a:off x="4927600" y="4953119"/>
+            <a:ext cx="2118053" cy="474087"/>
+          </a:xfrm>
+          <a:prstGeom prst="rect">
+            <a:avLst/>
+          </a:prstGeom>
+          <a:noFill/>
+          <a:ln>
+            <a:noFill/>
+          </a:ln>
+          <a:extLst>
+            <a:ext uri="{909E8E84-426E-40dd-AFC4-6F175D3DCCD1}">
+              <a14:hiddenFill xmlns:a14="http://schemas.microsoft.com/office/drawing/2010/main">
+                <a:solidFill>
+                  <a:srgbClr val="FFFFFF"/>
+                </a:solidFill>
+              </a14:hiddenFill>
+            </a:ext>
+            <a:ext uri="{91240B29-F687-4f45-9708-019B960494DF}">
+              <a14:hiddenLine xmlns:a14="http://schemas.microsoft.com/office/drawing/2010/main" w="9525">
+                <a:solidFill>
+                  <a:srgbClr val="000000"/>
+                </a:solidFill>
+                <a:miter lim="800000"/>
+                <a:headEnd/>
+                <a:tailEnd/>
+              </a14:hiddenLine>
+            </a:ext>
+          </a:extLst>
+        </p:spPr>
+      </p:pic>
+      <p:pic>
+        <p:nvPicPr>
+          <p:cNvPr id="29" name="Picture 9"/>
+          <p:cNvPicPr>
+            <a:picLocks noChangeAspect="1"/>
+          </p:cNvPicPr>
+          <p:nvPr/>
+        </p:nvPicPr>
+        <p:blipFill>
+          <a:blip r:embed="rId5">
+            <a:extLst>
+              <a:ext uri="{28A0092B-C50C-407E-A947-70E740481C1C}">
+                <a14:useLocalDpi xmlns:a14="http://schemas.microsoft.com/office/drawing/2010/main" val="0"/>
+              </a:ext>
+            </a:extLst>
+          </a:blip>
+          <a:srcRect/>
+          <a:stretch>
+            <a:fillRect/>
+          </a:stretch>
+        </p:blipFill>
+        <p:spPr bwMode="auto">
+          <a:xfrm>
+            <a:off x="181853" y="5045241"/>
+            <a:ext cx="2171700" cy="342900"/>
+          </a:xfrm>
+          <a:prstGeom prst="rect">
+            <a:avLst/>
+          </a:prstGeom>
+          <a:noFill/>
+          <a:ln>
+            <a:noFill/>
+          </a:ln>
+          <a:extLst>
+            <a:ext uri="{909E8E84-426E-40dd-AFC4-6F175D3DCCD1}">
+              <a14:hiddenFill xmlns:a14="http://schemas.microsoft.com/office/drawing/2010/main">
+                <a:solidFill>
+                  <a:srgbClr val="FFFFFF"/>
+                </a:solidFill>
+              </a14:hiddenFill>
+            </a:ext>
+            <a:ext uri="{91240B29-F687-4f45-9708-019B960494DF}">
+              <a14:hiddenLine xmlns:a14="http://schemas.microsoft.com/office/drawing/2010/main" w="9525">
+                <a:solidFill>
+                  <a:srgbClr val="000000"/>
+                </a:solidFill>
+                <a:miter lim="800000"/>
+                <a:headEnd/>
+                <a:tailEnd/>
+              </a14:hiddenLine>
+            </a:ext>
+          </a:extLst>
+        </p:spPr>
+      </p:pic>
+      <p:pic>
+        <p:nvPicPr>
+          <p:cNvPr id="30" name="Picture 10"/>
+          <p:cNvPicPr>
+            <a:picLocks noChangeAspect="1"/>
+          </p:cNvPicPr>
+          <p:nvPr/>
+        </p:nvPicPr>
+        <p:blipFill>
+          <a:blip r:embed="rId6">
+            <a:extLst>
+              <a:ext uri="{28A0092B-C50C-407E-A947-70E740481C1C}">
+                <a14:useLocalDpi xmlns:a14="http://schemas.microsoft.com/office/drawing/2010/main" val="0"/>
+              </a:ext>
+            </a:extLst>
+          </a:blip>
+          <a:srcRect/>
+          <a:stretch>
+            <a:fillRect/>
+          </a:stretch>
+        </p:blipFill>
+        <p:spPr bwMode="auto">
+          <a:xfrm>
+            <a:off x="1842257" y="5559756"/>
+            <a:ext cx="1812925" cy="688975"/>
+          </a:xfrm>
+          <a:prstGeom prst="rect">
+            <a:avLst/>
+          </a:prstGeom>
+          <a:noFill/>
+          <a:ln>
+            <a:noFill/>
+          </a:ln>
+          <a:extLst>
+            <a:ext uri="{909E8E84-426E-40dd-AFC4-6F175D3DCCD1}">
+              <a14:hiddenFill xmlns:a14="http://schemas.microsoft.com/office/drawing/2010/main">
+                <a:solidFill>
+                  <a:srgbClr val="FFFFFF"/>
+                </a:solidFill>
+              </a14:hiddenFill>
+            </a:ext>
+            <a:ext uri="{91240B29-F687-4f45-9708-019B960494DF}">
+              <a14:hiddenLine xmlns:a14="http://schemas.microsoft.com/office/drawing/2010/main" w="9525">
+                <a:solidFill>
+                  <a:srgbClr val="000000"/>
+                </a:solidFill>
+                <a:miter lim="800000"/>
+                <a:headEnd/>
+                <a:tailEnd/>
+              </a14:hiddenLine>
+            </a:ext>
+          </a:extLst>
+        </p:spPr>
+      </p:pic>
+      <p:pic>
+        <p:nvPicPr>
+          <p:cNvPr id="32" name="Picture 16"/>
+          <p:cNvPicPr>
+            <a:picLocks noChangeAspect="1"/>
+          </p:cNvPicPr>
+          <p:nvPr/>
+        </p:nvPicPr>
+        <p:blipFill>
+          <a:blip r:embed="rId7">
+            <a:extLst>
+              <a:ext uri="{28A0092B-C50C-407E-A947-70E740481C1C}">
+                <a14:useLocalDpi xmlns:a14="http://schemas.microsoft.com/office/drawing/2010/main" val="0"/>
+              </a:ext>
+            </a:extLst>
+          </a:blip>
+          <a:srcRect/>
+          <a:stretch>
+            <a:fillRect/>
+          </a:stretch>
+        </p:blipFill>
+        <p:spPr bwMode="auto">
+          <a:xfrm>
+            <a:off x="2842382" y="4814618"/>
+            <a:ext cx="1625600" cy="755650"/>
+          </a:xfrm>
+          <a:prstGeom prst="rect">
+            <a:avLst/>
+          </a:prstGeom>
+          <a:noFill/>
+          <a:ln>
+            <a:noFill/>
+          </a:ln>
+          <a:extLst>
+            <a:ext uri="{909E8E84-426E-40dd-AFC4-6F175D3DCCD1}">
+              <a14:hiddenFill xmlns:a14="http://schemas.microsoft.com/office/drawing/2010/main">
+                <a:solidFill>
+                  <a:srgbClr val="FFFFFF"/>
+                </a:solidFill>
+              </a14:hiddenFill>
+            </a:ext>
+            <a:ext uri="{91240B29-F687-4f45-9708-019B960494DF}">
+              <a14:hiddenLine xmlns:a14="http://schemas.microsoft.com/office/drawing/2010/main" w="9525">
+                <a:solidFill>
+                  <a:srgbClr val="000000"/>
+                </a:solidFill>
+                <a:miter lim="800000"/>
+                <a:headEnd/>
+                <a:tailEnd/>
+              </a14:hiddenLine>
+            </a:ext>
+          </a:extLst>
+        </p:spPr>
+      </p:pic>
+      <p:pic>
+        <p:nvPicPr>
+          <p:cNvPr id="33" name="Picture 1" descr="rgb_logo_2006_300dpi"/>
+          <p:cNvPicPr>
+            <a:picLocks noChangeAspect="1" noChangeArrowheads="1"/>
+          </p:cNvPicPr>
+          <p:nvPr/>
+        </p:nvPicPr>
+        <p:blipFill>
+          <a:blip r:embed="rId8">
+            <a:extLst>
+              <a:ext uri="{28A0092B-C50C-407E-A947-70E740481C1C}">
+                <a14:useLocalDpi xmlns:a14="http://schemas.microsoft.com/office/drawing/2010/main" val="0"/>
+              </a:ext>
+            </a:extLst>
+          </a:blip>
+          <a:srcRect/>
+          <a:stretch>
+            <a:fillRect/>
+          </a:stretch>
+        </p:blipFill>
+        <p:spPr bwMode="auto">
+          <a:xfrm>
+            <a:off x="195777" y="5594516"/>
+            <a:ext cx="1274763" cy="538163"/>
+          </a:xfrm>
+          <a:prstGeom prst="rect">
+            <a:avLst/>
+          </a:prstGeom>
+          <a:noFill/>
+          <a:ln>
+            <a:noFill/>
+          </a:ln>
+          <a:extLst>
+            <a:ext uri="{909E8E84-426E-40dd-AFC4-6F175D3DCCD1}">
+              <a14:hiddenFill xmlns:a14="http://schemas.microsoft.com/office/drawing/2010/main">
+                <a:solidFill>
+                  <a:srgbClr val="FFFFFF"/>
+                </a:solidFill>
+              </a14:hiddenFill>
+            </a:ext>
+            <a:ext uri="{91240B29-F687-4f45-9708-019B960494DF}">
+              <a14:hiddenLine xmlns:a14="http://schemas.microsoft.com/office/drawing/2010/main" w="9525">
+                <a:solidFill>
+                  <a:srgbClr val="000000"/>
+                </a:solidFill>
+                <a:miter lim="800000"/>
+                <a:headEnd/>
+                <a:tailEnd/>
+              </a14:hiddenLine>
+            </a:ext>
+          </a:extLst>
+        </p:spPr>
+      </p:pic>
+      <p:sp>
+        <p:nvSpPr>
+          <p:cNvPr id="34" name="TextBox 1"/>
+          <p:cNvSpPr txBox="1">
+            <a:spLocks noChangeArrowheads="1"/>
+          </p:cNvSpPr>
+          <p:nvPr/>
+        </p:nvSpPr>
+        <p:spPr bwMode="auto">
+          <a:xfrm>
+            <a:off x="7465405" y="5685503"/>
+            <a:ext cx="1584325" cy="523220"/>
+          </a:xfrm>
+          <a:prstGeom prst="rect">
+            <a:avLst/>
+          </a:prstGeom>
+          <a:noFill/>
+          <a:ln>
+            <a:noFill/>
+          </a:ln>
+          <a:extLst>
+            <a:ext uri="{909E8E84-426E-40dd-AFC4-6F175D3DCCD1}">
+              <a14:hiddenFill xmlns:a14="http://schemas.microsoft.com/office/drawing/2010/main">
+                <a:solidFill>
+                  <a:srgbClr val="FFFFFF"/>
+                </a:solidFill>
+              </a14:hiddenFill>
+            </a:ext>
+            <a:ext uri="{91240B29-F687-4f45-9708-019B960494DF}">
+              <a14:hiddenLine xmlns:a14="http://schemas.microsoft.com/office/drawing/2010/main" w="9525">
+                <a:solidFill>
+                  <a:srgbClr val="000000"/>
+                </a:solidFill>
+                <a:miter lim="800000"/>
+                <a:headEnd/>
+                <a:tailEnd/>
+              </a14:hiddenLine>
+            </a:ext>
+          </a:extLst>
+        </p:spPr>
+        <p:txBody>
+          <a:bodyPr>
+            <a:spAutoFit/>
+          </a:bodyPr>
+          <a:lstStyle>
+            <a:lvl1pPr>
+              <a:defRPr sz="2400">
+                <a:solidFill>
+                  <a:schemeClr val="tx1"/>
+                </a:solidFill>
+                <a:latin typeface="Arial" charset="0"/>
+                <a:ea typeface="ＭＳ Ｐゴシック" charset="0"/>
+                <a:cs typeface="ＭＳ Ｐゴシック" charset="0"/>
+              </a:defRPr>
+            </a:lvl1pPr>
+            <a:lvl2pPr marL="742950" indent="-285750">
+              <a:defRPr sz="2400">
+                <a:solidFill>
+                  <a:schemeClr val="tx1"/>
+                </a:solidFill>
+                <a:latin typeface="Arial" charset="0"/>
+                <a:ea typeface="ＭＳ Ｐゴシック" charset="0"/>
+              </a:defRPr>
+            </a:lvl2pPr>
+            <a:lvl3pPr marL="1143000" indent="-228600">
+              <a:defRPr sz="2400">
+                <a:solidFill>
+                  <a:schemeClr val="tx1"/>
+                </a:solidFill>
+                <a:latin typeface="Arial" charset="0"/>
+                <a:ea typeface="ＭＳ Ｐゴシック" charset="0"/>
+              </a:defRPr>
+            </a:lvl3pPr>
+            <a:lvl4pPr marL="1600200" indent="-228600">
+              <a:defRPr sz="2400">
+                <a:solidFill>
+                  <a:schemeClr val="tx1"/>
+                </a:solidFill>
+                <a:latin typeface="Arial" charset="0"/>
+                <a:ea typeface="ＭＳ Ｐゴシック" charset="0"/>
+              </a:defRPr>
+            </a:lvl4pPr>
+            <a:lvl5pPr marL="2057400" indent="-228600">
+              <a:defRPr sz="2400">
+                <a:solidFill>
+                  <a:schemeClr val="tx1"/>
+                </a:solidFill>
+                <a:latin typeface="Arial" charset="0"/>
+                <a:ea typeface="ＭＳ Ｐゴシック" charset="0"/>
+              </a:defRPr>
+            </a:lvl5pPr>
+            <a:lvl6pPr marL="2514600" indent="-228600" eaLnBrk="0" fontAlgn="base" hangingPunct="0">
+              <a:spcBef>
+                <a:spcPct val="0"/>
+              </a:spcBef>
+              <a:spcAft>
+                <a:spcPct val="0"/>
+              </a:spcAft>
+              <a:defRPr sz="2400">
+                <a:solidFill>
+                  <a:schemeClr val="tx1"/>
+                </a:solidFill>
+                <a:latin typeface="Arial" charset="0"/>
+                <a:ea typeface="ＭＳ Ｐゴシック" charset="0"/>
+              </a:defRPr>
+            </a:lvl6pPr>
+            <a:lvl7pPr marL="2971800" indent="-228600" eaLnBrk="0" fontAlgn="base" hangingPunct="0">
+              <a:spcBef>
+                <a:spcPct val="0"/>
+              </a:spcBef>
+              <a:spcAft>
+                <a:spcPct val="0"/>
+              </a:spcAft>
+              <a:defRPr sz="2400">
+                <a:solidFill>
+                  <a:schemeClr val="tx1"/>
+                </a:solidFill>
+                <a:latin typeface="Arial" charset="0"/>
+                <a:ea typeface="ＭＳ Ｐゴシック" charset="0"/>
+              </a:defRPr>
+            </a:lvl7pPr>
+            <a:lvl8pPr marL="3429000" indent="-228600" eaLnBrk="0" fontAlgn="base" hangingPunct="0">
+              <a:spcBef>
+                <a:spcPct val="0"/>
+              </a:spcBef>
+              <a:spcAft>
+                <a:spcPct val="0"/>
+              </a:spcAft>
+              <a:defRPr sz="2400">
+                <a:solidFill>
+                  <a:schemeClr val="tx1"/>
+                </a:solidFill>
+                <a:latin typeface="Arial" charset="0"/>
+                <a:ea typeface="ＭＳ Ｐゴシック" charset="0"/>
+              </a:defRPr>
+            </a:lvl8pPr>
+            <a:lvl9pPr marL="3886200" indent="-228600" eaLnBrk="0" fontAlgn="base" hangingPunct="0">
+              <a:spcBef>
+                <a:spcPct val="0"/>
+              </a:spcBef>
+              <a:spcAft>
+                <a:spcPct val="0"/>
+              </a:spcAft>
+              <a:defRPr sz="2400">
+                <a:solidFill>
+                  <a:schemeClr val="tx1"/>
+                </a:solidFill>
+                <a:latin typeface="Arial" charset="0"/>
+                <a:ea typeface="ＭＳ Ｐゴシック" charset="0"/>
+              </a:defRPr>
+            </a:lvl9pPr>
+          </a:lstStyle>
+          <a:p>
+            <a:r>
+              <a:rPr lang="en-US" sz="1400" b="0" dirty="0">
+                <a:solidFill>
+                  <a:srgbClr val="000000"/>
+                </a:solidFill>
+              </a:rPr>
+              <a:t>Co-funded by the European Union</a:t>
+            </a:r>
+          </a:p>
+        </p:txBody>
+      </p:sp>
+      <p:pic>
+        <p:nvPicPr>
+          <p:cNvPr id="2" name="Picture 1" descr="Ensembl people.pdf"/>
+          <p:cNvPicPr>
+            <a:picLocks noChangeAspect="1"/>
+          </p:cNvPicPr>
+          <p:nvPr/>
+        </p:nvPicPr>
+        <p:blipFill>
+          <a:blip r:embed="rId9">
+            <a:extLst>
+              <a:ext uri="{28A0092B-C50C-407E-A947-70E740481C1C}">
+                <a14:useLocalDpi xmlns:a14="http://schemas.microsoft.com/office/drawing/2010/main" val="0"/>
+              </a:ext>
+            </a:extLst>
+          </a:blip>
+          <a:stretch>
+            <a:fillRect/>
+          </a:stretch>
+        </p:blipFill>
+        <p:spPr>
+          <a:xfrm>
+            <a:off x="474383" y="1126564"/>
+            <a:ext cx="7984564" cy="3575630"/>
+          </a:xfrm>
+          <a:prstGeom prst="rect">
+            <a:avLst/>
+          </a:prstGeom>
+        </p:spPr>
+      </p:pic>
+      <p:pic>
+        <p:nvPicPr>
+          <p:cNvPr id="3" name="Picture 2"/>
+          <p:cNvPicPr>
+            <a:picLocks noChangeAspect="1"/>
+          </p:cNvPicPr>
+          <p:nvPr/>
+        </p:nvPicPr>
+        <p:blipFill>
+          <a:blip r:embed="rId10"/>
+          <a:stretch>
+            <a:fillRect/>
+          </a:stretch>
+        </p:blipFill>
+        <p:spPr>
+          <a:xfrm>
+            <a:off x="3960346" y="5535343"/>
+            <a:ext cx="1498600" cy="673380"/>
+          </a:xfrm>
+          <a:prstGeom prst="rect">
+            <a:avLst/>
+          </a:prstGeom>
+        </p:spPr>
+      </p:pic>
+      <p:pic>
+        <p:nvPicPr>
+          <p:cNvPr id="4" name="Picture 3" descr="MedBioinformatics_opc_1_1.jpg"/>
+          <p:cNvPicPr>
+            <a:picLocks noChangeAspect="1"/>
+          </p:cNvPicPr>
+          <p:nvPr/>
+        </p:nvPicPr>
+        <p:blipFill rotWithShape="1">
+          <a:blip r:embed="rId11">
+            <a:extLst>
+              <a:ext uri="{28A0092B-C50C-407E-A947-70E740481C1C}">
+                <a14:useLocalDpi xmlns:a14="http://schemas.microsoft.com/office/drawing/2010/main" val="0"/>
+              </a:ext>
+            </a:extLst>
+          </a:blip>
+          <a:srcRect t="15459" b="16821"/>
+          <a:stretch/>
+        </p:blipFill>
+        <p:spPr>
+          <a:xfrm>
+            <a:off x="5608499" y="5535343"/>
+            <a:ext cx="1752600" cy="587495"/>
+          </a:xfrm>
+          <a:prstGeom prst="rect">
+            <a:avLst/>
+          </a:prstGeom>
+        </p:spPr>
+      </p:pic>
+    </p:spTree>
+    <p:extLst>
+      <p:ext uri="{BB962C8B-B14F-4D97-AF65-F5344CB8AC3E}">
+        <p14:creationId xmlns:p14="http://schemas.microsoft.com/office/powerpoint/2010/main" val="3237055649"/>
+      </p:ext>
+    </p:extLst>
+  </p:cSld>
+  <p:clrMapOvr>
+    <a:masterClrMapping/>
+  </p:clrMapOvr>
+  <p:timing>
+    <p:tnLst>
+      <p:par>
+        <p:cTn xmlns:p14="http://schemas.microsoft.com/office/powerpoint/2010/main" id="1" dur="indefinite" restart="never" nodeType="tmRoot"/>
+      </p:par>
+    </p:tnLst>
+  </p:timing>
+</p:sld>
+</file>
+
+<file path=ppt/slides/slide54.xml><?xml version="1.0" encoding="utf-8"?>
+<p:sld xmlns:a="http://schemas.openxmlformats.org/drawingml/2006/main" xmlns:r="http://schemas.openxmlformats.org/officeDocument/2006/relationships" xmlns:p="http://schemas.openxmlformats.org/presentationml/2006/main">
+  <p:cSld>
+    <p:spTree>
+      <p:nvGrpSpPr>
+        <p:cNvPr id="1" name=""/>
+        <p:cNvGrpSpPr/>
+        <p:nvPr/>
+      </p:nvGrpSpPr>
+      <p:grpSpPr>
+        <a:xfrm>
+          <a:off x="0" y="0"/>
+          <a:ext cx="0" cy="0"/>
+          <a:chOff x="0" y="0"/>
+          <a:chExt cx="0" cy="0"/>
+        </a:xfrm>
+      </p:grpSpPr>
+      <p:sp>
+        <p:nvSpPr>
           <p:cNvPr id="7" name="Rectangle 6"/>
           <p:cNvSpPr/>
           <p:nvPr/>
@@ -19537,7 +20409,7 @@
 </p:sld>
 </file>
 
-<file path=ppt/slides/slide54.xml><?xml version="1.0" encoding="utf-8"?>
+<file path=ppt/slides/slide55.xml><?xml version="1.0" encoding="utf-8"?>
 <p:sld xmlns:a="http://schemas.openxmlformats.org/drawingml/2006/main" xmlns:r="http://schemas.openxmlformats.org/officeDocument/2006/relationships" xmlns:p="http://schemas.openxmlformats.org/presentationml/2006/main">
   <p:cSld>
     <p:spTree>
@@ -20180,7 +21052,7 @@
 </p:sld>
 </file>
 
-<file path=ppt/slides/slide55.xml><?xml version="1.0" encoding="utf-8"?>
+<file path=ppt/slides/slide56.xml><?xml version="1.0" encoding="utf-8"?>
 <p:sld xmlns:a="http://schemas.openxmlformats.org/drawingml/2006/main" xmlns:r="http://schemas.openxmlformats.org/officeDocument/2006/relationships" xmlns:p="http://schemas.openxmlformats.org/presentationml/2006/main">
   <p:cSld>
     <p:spTree>
@@ -20265,138 +21137,6 @@
 </p:sld>
 </file>
 
-<file path=ppt/slides/slide56.xml><?xml version="1.0" encoding="utf-8"?>
-<p:sld xmlns:a="http://schemas.openxmlformats.org/drawingml/2006/main" xmlns:r="http://schemas.openxmlformats.org/officeDocument/2006/relationships" xmlns:p="http://schemas.openxmlformats.org/presentationml/2006/main">
-  <p:cSld>
-    <p:spTree>
-      <p:nvGrpSpPr>
-        <p:cNvPr id="1" name=""/>
-        <p:cNvGrpSpPr/>
-        <p:nvPr/>
-      </p:nvGrpSpPr>
-      <p:grpSpPr>
-        <a:xfrm>
-          <a:off x="0" y="0"/>
-          <a:ext cx="0" cy="0"/>
-          <a:chOff x="0" y="0"/>
-          <a:chExt cx="0" cy="0"/>
-        </a:xfrm>
-      </p:grpSpPr>
-      <p:sp>
-        <p:nvSpPr>
-          <p:cNvPr id="4" name="Title 3"/>
-          <p:cNvSpPr>
-            <a:spLocks noGrp="1"/>
-          </p:cNvSpPr>
-          <p:nvPr>
-            <p:ph type="title"/>
-          </p:nvPr>
-        </p:nvSpPr>
-        <p:spPr/>
-        <p:txBody>
-          <a:bodyPr/>
-          <a:lstStyle/>
-          <a:p>
-            <a:r>
-              <a:rPr lang="en-US" dirty="0" smtClean="0"/>
-              <a:t>Rules When Writing a Client</a:t>
-            </a:r>
-            <a:endParaRPr lang="en-US" dirty="0"/>
-          </a:p>
-        </p:txBody>
-      </p:sp>
-      <p:sp>
-        <p:nvSpPr>
-          <p:cNvPr id="5" name="Content Placeholder 4"/>
-          <p:cNvSpPr>
-            <a:spLocks noGrp="1"/>
-          </p:cNvSpPr>
-          <p:nvPr>
-            <p:ph idx="1"/>
-          </p:nvPr>
-        </p:nvSpPr>
-        <p:spPr/>
-        <p:txBody>
-          <a:bodyPr/>
-          <a:lstStyle/>
-          <a:p>
-            <a:r>
-              <a:rPr lang="en-US" dirty="0" smtClean="0"/>
-              <a:t>Choose your most convenient language</a:t>
-            </a:r>
-          </a:p>
-          <a:p>
-            <a:pPr lvl="1"/>
-            <a:r>
-              <a:rPr lang="en-US" dirty="0" smtClean="0"/>
-              <a:t>If you are a Python programmer, use Python</a:t>
-            </a:r>
-          </a:p>
-          <a:p>
-            <a:endParaRPr lang="en-US" dirty="0" smtClean="0"/>
-          </a:p>
-          <a:p>
-            <a:r>
-              <a:rPr lang="en-US" dirty="0" smtClean="0"/>
-              <a:t>Find a good HTTP and JSON library for your language</a:t>
-            </a:r>
-            <a:endParaRPr lang="en-US" dirty="0"/>
-          </a:p>
-          <a:p>
-            <a:endParaRPr lang="en-US" dirty="0"/>
-          </a:p>
-          <a:p>
-            <a:r>
-              <a:rPr lang="en-US" dirty="0" smtClean="0"/>
-              <a:t>Try to limit your requests to 15 per second</a:t>
-            </a:r>
-          </a:p>
-          <a:p>
-            <a:pPr lvl="1"/>
-            <a:r>
-              <a:rPr lang="en-US" dirty="0" smtClean="0"/>
-              <a:t>We will limit you to ~54,000 per hour</a:t>
-            </a:r>
-          </a:p>
-          <a:p>
-            <a:pPr lvl="1"/>
-            <a:r>
-              <a:rPr lang="en-US" dirty="0" smtClean="0"/>
-              <a:t>Basic way is to count &amp; sleep for fractions of seconds</a:t>
-            </a:r>
-          </a:p>
-          <a:p>
-            <a:endParaRPr lang="en-US" dirty="0"/>
-          </a:p>
-          <a:p>
-            <a:r>
-              <a:rPr lang="en-US" dirty="0" smtClean="0"/>
-              <a:t>Create reusable methods for querying</a:t>
-            </a:r>
-          </a:p>
-          <a:p>
-            <a:pPr lvl="1"/>
-            <a:r>
-              <a:rPr lang="en-US" dirty="0" smtClean="0"/>
-              <a:t>It will make things easier</a:t>
-            </a:r>
-            <a:endParaRPr lang="en-US" dirty="0"/>
-          </a:p>
-        </p:txBody>
-      </p:sp>
-    </p:spTree>
-    <p:extLst>
-      <p:ext uri="{BB962C8B-B14F-4D97-AF65-F5344CB8AC3E}">
-        <p14:creationId xmlns:p14="http://schemas.microsoft.com/office/powerpoint/2010/main" val="322348092"/>
-      </p:ext>
-    </p:extLst>
-  </p:cSld>
-  <p:clrMapOvr>
-    <a:masterClrMapping/>
-  </p:clrMapOvr>
-</p:sld>
-</file>
-
 <file path=ppt/slides/slide57.xml><?xml version="1.0" encoding="utf-8"?>
 <p:sld xmlns:a="http://schemas.openxmlformats.org/drawingml/2006/main" xmlns:r="http://schemas.openxmlformats.org/officeDocument/2006/relationships" xmlns:p="http://schemas.openxmlformats.org/presentationml/2006/main">
   <p:cSld>
@@ -20431,6 +21171,138 @@
           <a:p>
             <a:r>
               <a:rPr lang="en-US" dirty="0" smtClean="0"/>
+              <a:t>Rules When Writing a Client</a:t>
+            </a:r>
+            <a:endParaRPr lang="en-US" dirty="0"/>
+          </a:p>
+        </p:txBody>
+      </p:sp>
+      <p:sp>
+        <p:nvSpPr>
+          <p:cNvPr id="5" name="Content Placeholder 4"/>
+          <p:cNvSpPr>
+            <a:spLocks noGrp="1"/>
+          </p:cNvSpPr>
+          <p:nvPr>
+            <p:ph idx="1"/>
+          </p:nvPr>
+        </p:nvSpPr>
+        <p:spPr/>
+        <p:txBody>
+          <a:bodyPr/>
+          <a:lstStyle/>
+          <a:p>
+            <a:r>
+              <a:rPr lang="en-US" dirty="0" smtClean="0"/>
+              <a:t>Choose your most convenient language</a:t>
+            </a:r>
+          </a:p>
+          <a:p>
+            <a:pPr lvl="1"/>
+            <a:r>
+              <a:rPr lang="en-US" dirty="0" smtClean="0"/>
+              <a:t>If you are a Python programmer, use Python</a:t>
+            </a:r>
+          </a:p>
+          <a:p>
+            <a:endParaRPr lang="en-US" dirty="0" smtClean="0"/>
+          </a:p>
+          <a:p>
+            <a:r>
+              <a:rPr lang="en-US" dirty="0" smtClean="0"/>
+              <a:t>Find a good HTTP and JSON library for your language</a:t>
+            </a:r>
+            <a:endParaRPr lang="en-US" dirty="0"/>
+          </a:p>
+          <a:p>
+            <a:endParaRPr lang="en-US" dirty="0"/>
+          </a:p>
+          <a:p>
+            <a:r>
+              <a:rPr lang="en-US" dirty="0" smtClean="0"/>
+              <a:t>Try to limit your requests to 15 per second</a:t>
+            </a:r>
+          </a:p>
+          <a:p>
+            <a:pPr lvl="1"/>
+            <a:r>
+              <a:rPr lang="en-US" dirty="0" smtClean="0"/>
+              <a:t>We will limit you to ~54,000 per hour</a:t>
+            </a:r>
+          </a:p>
+          <a:p>
+            <a:pPr lvl="1"/>
+            <a:r>
+              <a:rPr lang="en-US" dirty="0" smtClean="0"/>
+              <a:t>Basic way is to count &amp; sleep for fractions of seconds</a:t>
+            </a:r>
+          </a:p>
+          <a:p>
+            <a:endParaRPr lang="en-US" dirty="0"/>
+          </a:p>
+          <a:p>
+            <a:r>
+              <a:rPr lang="en-US" dirty="0" smtClean="0"/>
+              <a:t>Create reusable methods for querying</a:t>
+            </a:r>
+          </a:p>
+          <a:p>
+            <a:pPr lvl="1"/>
+            <a:r>
+              <a:rPr lang="en-US" dirty="0" smtClean="0"/>
+              <a:t>It will make things easier</a:t>
+            </a:r>
+            <a:endParaRPr lang="en-US" dirty="0"/>
+          </a:p>
+        </p:txBody>
+      </p:sp>
+    </p:spTree>
+    <p:extLst>
+      <p:ext uri="{BB962C8B-B14F-4D97-AF65-F5344CB8AC3E}">
+        <p14:creationId xmlns:p14="http://schemas.microsoft.com/office/powerpoint/2010/main" val="322348092"/>
+      </p:ext>
+    </p:extLst>
+  </p:cSld>
+  <p:clrMapOvr>
+    <a:masterClrMapping/>
+  </p:clrMapOvr>
+</p:sld>
+</file>
+
+<file path=ppt/slides/slide58.xml><?xml version="1.0" encoding="utf-8"?>
+<p:sld xmlns:a="http://schemas.openxmlformats.org/drawingml/2006/main" xmlns:r="http://schemas.openxmlformats.org/officeDocument/2006/relationships" xmlns:p="http://schemas.openxmlformats.org/presentationml/2006/main">
+  <p:cSld>
+    <p:spTree>
+      <p:nvGrpSpPr>
+        <p:cNvPr id="1" name=""/>
+        <p:cNvGrpSpPr/>
+        <p:nvPr/>
+      </p:nvGrpSpPr>
+      <p:grpSpPr>
+        <a:xfrm>
+          <a:off x="0" y="0"/>
+          <a:ext cx="0" cy="0"/>
+          <a:chOff x="0" y="0"/>
+          <a:chExt cx="0" cy="0"/>
+        </a:xfrm>
+      </p:grpSpPr>
+      <p:sp>
+        <p:nvSpPr>
+          <p:cNvPr id="4" name="Title 3"/>
+          <p:cNvSpPr>
+            <a:spLocks noGrp="1"/>
+          </p:cNvSpPr>
+          <p:nvPr>
+            <p:ph type="title"/>
+          </p:nvPr>
+        </p:nvSpPr>
+        <p:spPr/>
+        <p:txBody>
+          <a:bodyPr/>
+          <a:lstStyle/>
+          <a:p>
+            <a:r>
+              <a:rPr lang="en-US" dirty="0" smtClean="0"/>
               <a:t>Pre-Written REST Clients</a:t>
             </a:r>
             <a:endParaRPr lang="en-US" dirty="0"/>
@@ -20633,7 +21505,7 @@
 </p:sld>
 </file>
 
-<file path=ppt/slides/slide58.xml><?xml version="1.0" encoding="utf-8"?>
+<file path=ppt/slides/slide59.xml><?xml version="1.0" encoding="utf-8"?>
 <p:sld xmlns:a="http://schemas.openxmlformats.org/drawingml/2006/main" xmlns:r="http://schemas.openxmlformats.org/officeDocument/2006/relationships" xmlns:p="http://schemas.openxmlformats.org/presentationml/2006/main">
   <p:cSld>
     <p:spTree>
@@ -21176,7 +22048,245 @@
 </p:sld>
 </file>
 
-<file path=ppt/slides/slide59.xml><?xml version="1.0" encoding="utf-8"?>
+<file path=ppt/slides/slide6.xml><?xml version="1.0" encoding="utf-8"?>
+<p:sld xmlns:a="http://schemas.openxmlformats.org/drawingml/2006/main" xmlns:r="http://schemas.openxmlformats.org/officeDocument/2006/relationships" xmlns:p="http://schemas.openxmlformats.org/presentationml/2006/main">
+  <p:cSld>
+    <p:spTree>
+      <p:nvGrpSpPr>
+        <p:cNvPr id="1" name=""/>
+        <p:cNvGrpSpPr/>
+        <p:nvPr/>
+      </p:nvGrpSpPr>
+      <p:grpSpPr>
+        <a:xfrm>
+          <a:off x="0" y="0"/>
+          <a:ext cx="0" cy="0"/>
+          <a:chOff x="0" y="0"/>
+          <a:chExt cx="0" cy="0"/>
+        </a:xfrm>
+      </p:grpSpPr>
+      <p:sp>
+        <p:nvSpPr>
+          <p:cNvPr id="2" name="Title 1"/>
+          <p:cNvSpPr>
+            <a:spLocks noGrp="1"/>
+          </p:cNvSpPr>
+          <p:nvPr>
+            <p:ph type="title"/>
+          </p:nvPr>
+        </p:nvSpPr>
+        <p:spPr/>
+        <p:txBody>
+          <a:bodyPr/>
+          <a:lstStyle/>
+          <a:p>
+            <a:r>
+              <a:rPr lang="en-US" dirty="0" smtClean="0"/>
+              <a:t>What Is A REST API</a:t>
+            </a:r>
+            <a:endParaRPr lang="en-US" dirty="0"/>
+          </a:p>
+        </p:txBody>
+      </p:sp>
+      <p:sp>
+        <p:nvSpPr>
+          <p:cNvPr id="3" name="Content Placeholder 2"/>
+          <p:cNvSpPr>
+            <a:spLocks noGrp="1"/>
+          </p:cNvSpPr>
+          <p:nvPr>
+            <p:ph idx="1"/>
+          </p:nvPr>
+        </p:nvSpPr>
+        <p:spPr/>
+        <p:txBody>
+          <a:bodyPr/>
+          <a:lstStyle/>
+          <a:p>
+            <a:r>
+              <a:rPr lang="en-US" b="1" dirty="0" err="1" smtClean="0"/>
+              <a:t>RE</a:t>
+            </a:r>
+            <a:r>
+              <a:rPr lang="en-US" dirty="0" err="1" smtClean="0"/>
+              <a:t>presentational</a:t>
+            </a:r>
+            <a:r>
+              <a:rPr lang="en-US" dirty="0" smtClean="0"/>
+              <a:t> </a:t>
+            </a:r>
+            <a:r>
+              <a:rPr lang="en-US" b="1" dirty="0"/>
+              <a:t>S</a:t>
+            </a:r>
+            <a:r>
+              <a:rPr lang="en-US" dirty="0"/>
+              <a:t>tate </a:t>
+            </a:r>
+            <a:r>
+              <a:rPr lang="en-US" b="1" dirty="0"/>
+              <a:t>T</a:t>
+            </a:r>
+            <a:r>
+              <a:rPr lang="en-US" dirty="0"/>
+              <a:t>ransfer</a:t>
+            </a:r>
+          </a:p>
+          <a:p>
+            <a:endParaRPr lang="en-US" dirty="0" smtClean="0"/>
+          </a:p>
+          <a:p>
+            <a:r>
+              <a:rPr lang="en-US" dirty="0" smtClean="0"/>
+              <a:t>Simple APIs with very few external dependencies</a:t>
+            </a:r>
+          </a:p>
+          <a:p>
+            <a:endParaRPr lang="en-US" dirty="0"/>
+          </a:p>
+          <a:p>
+            <a:r>
+              <a:rPr lang="en-US" dirty="0" smtClean="0"/>
+              <a:t>Can use the web (HTTP) to communicate</a:t>
+            </a:r>
+          </a:p>
+          <a:p>
+            <a:endParaRPr lang="en-US" dirty="0"/>
+          </a:p>
+          <a:p>
+            <a:r>
+              <a:rPr lang="en-US" dirty="0" smtClean="0"/>
+              <a:t>Can be queried by</a:t>
+            </a:r>
+          </a:p>
+          <a:p>
+            <a:pPr lvl="1"/>
+            <a:r>
+              <a:rPr lang="en-US" dirty="0" smtClean="0"/>
+              <a:t>Web browsers</a:t>
+            </a:r>
+          </a:p>
+          <a:p>
+            <a:pPr lvl="1"/>
+            <a:r>
+              <a:rPr lang="en-US" dirty="0" smtClean="0"/>
+              <a:t>Command line tools</a:t>
+            </a:r>
+          </a:p>
+          <a:p>
+            <a:pPr lvl="1"/>
+            <a:r>
+              <a:rPr lang="en-US" dirty="0" smtClean="0"/>
+              <a:t>Programming languages</a:t>
+            </a:r>
+            <a:endParaRPr lang="en-US" dirty="0"/>
+          </a:p>
+        </p:txBody>
+      </p:sp>
+      <p:pic>
+        <p:nvPicPr>
+          <p:cNvPr id="4" name="Picture 3" descr="images.jpg"/>
+          <p:cNvPicPr>
+            <a:picLocks noChangeAspect="1"/>
+          </p:cNvPicPr>
+          <p:nvPr/>
+        </p:nvPicPr>
+        <p:blipFill>
+          <a:blip r:embed="rId2">
+            <a:extLst>
+              <a:ext uri="{28A0092B-C50C-407E-A947-70E740481C1C}">
+                <a14:useLocalDpi xmlns:a14="http://schemas.microsoft.com/office/drawing/2010/main" val="0"/>
+              </a:ext>
+            </a:extLst>
+          </a:blip>
+          <a:stretch>
+            <a:fillRect/>
+          </a:stretch>
+        </p:blipFill>
+        <p:spPr>
+          <a:xfrm>
+            <a:off x="7298290" y="4524030"/>
+            <a:ext cx="1257603" cy="1252014"/>
+          </a:xfrm>
+          <a:prstGeom prst="rect">
+            <a:avLst/>
+          </a:prstGeom>
+          <a:ln>
+            <a:noFill/>
+          </a:ln>
+          <a:effectLst>
+            <a:outerShdw blurRad="292100" dist="139700" dir="2700000" algn="tl" rotWithShape="0">
+              <a:srgbClr val="333333">
+                <a:alpha val="65000"/>
+              </a:srgbClr>
+            </a:outerShdw>
+          </a:effectLst>
+        </p:spPr>
+      </p:pic>
+      <p:pic>
+        <p:nvPicPr>
+          <p:cNvPr id="6" name="Picture 5" descr="url.jpg"/>
+          <p:cNvPicPr>
+            <a:picLocks noChangeAspect="1"/>
+          </p:cNvPicPr>
+          <p:nvPr/>
+        </p:nvPicPr>
+        <p:blipFill>
+          <a:blip r:embed="rId3">
+            <a:extLst>
+              <a:ext uri="{28A0092B-C50C-407E-A947-70E740481C1C}">
+                <a14:useLocalDpi xmlns:a14="http://schemas.microsoft.com/office/drawing/2010/main" val="0"/>
+              </a:ext>
+            </a:extLst>
+          </a:blip>
+          <a:stretch>
+            <a:fillRect/>
+          </a:stretch>
+        </p:blipFill>
+        <p:spPr>
+          <a:xfrm>
+            <a:off x="4212862" y="4060960"/>
+            <a:ext cx="2866338" cy="962853"/>
+          </a:xfrm>
+          <a:prstGeom prst="roundRect">
+            <a:avLst>
+              <a:gd name="adj" fmla="val 8594"/>
+            </a:avLst>
+          </a:prstGeom>
+          <a:solidFill>
+            <a:srgbClr val="FFFFFF">
+              <a:shade val="85000"/>
+            </a:srgbClr>
+          </a:solidFill>
+          <a:ln>
+            <a:noFill/>
+          </a:ln>
+          <a:effectLst>
+            <a:reflection blurRad="12700" stA="38000" endPos="28000" dist="5000" dir="5400000" sy="-100000" algn="bl" rotWithShape="0"/>
+          </a:effectLst>
+        </p:spPr>
+      </p:pic>
+    </p:spTree>
+    <p:extLst>
+      <p:ext uri="{BB962C8B-B14F-4D97-AF65-F5344CB8AC3E}">
+        <p14:creationId xmlns:p14="http://schemas.microsoft.com/office/powerpoint/2010/main" val="1579477409"/>
+      </p:ext>
+    </p:extLst>
+  </p:cSld>
+  <p:clrMapOvr>
+    <a:masterClrMapping/>
+  </p:clrMapOvr>
+  <p:timing>
+    <p:tnLst>
+      <p:par>
+        <p:cTn xmlns:p14="http://schemas.microsoft.com/office/powerpoint/2010/main" id="1" dur="indefinite" restart="never" nodeType="tmRoot"/>
+      </p:par>
+    </p:tnLst>
+  </p:timing>
+</p:sld>
+</file>
+
+<file path=ppt/slides/slide60.xml><?xml version="1.0" encoding="utf-8"?>
 <p:sld xmlns:a="http://schemas.openxmlformats.org/drawingml/2006/main" xmlns:r="http://schemas.openxmlformats.org/officeDocument/2006/relationships" xmlns:p="http://schemas.openxmlformats.org/presentationml/2006/main">
   <p:cSld>
     <p:spTree>
@@ -22128,245 +23238,7 @@
 </p:sld>
 </file>
 
-<file path=ppt/slides/slide6.xml><?xml version="1.0" encoding="utf-8"?>
-<p:sld xmlns:a="http://schemas.openxmlformats.org/drawingml/2006/main" xmlns:r="http://schemas.openxmlformats.org/officeDocument/2006/relationships" xmlns:p="http://schemas.openxmlformats.org/presentationml/2006/main">
-  <p:cSld>
-    <p:spTree>
-      <p:nvGrpSpPr>
-        <p:cNvPr id="1" name=""/>
-        <p:cNvGrpSpPr/>
-        <p:nvPr/>
-      </p:nvGrpSpPr>
-      <p:grpSpPr>
-        <a:xfrm>
-          <a:off x="0" y="0"/>
-          <a:ext cx="0" cy="0"/>
-          <a:chOff x="0" y="0"/>
-          <a:chExt cx="0" cy="0"/>
-        </a:xfrm>
-      </p:grpSpPr>
-      <p:sp>
-        <p:nvSpPr>
-          <p:cNvPr id="2" name="Title 1"/>
-          <p:cNvSpPr>
-            <a:spLocks noGrp="1"/>
-          </p:cNvSpPr>
-          <p:nvPr>
-            <p:ph type="title"/>
-          </p:nvPr>
-        </p:nvSpPr>
-        <p:spPr/>
-        <p:txBody>
-          <a:bodyPr/>
-          <a:lstStyle/>
-          <a:p>
-            <a:r>
-              <a:rPr lang="en-US" dirty="0" smtClean="0"/>
-              <a:t>What Is A REST API</a:t>
-            </a:r>
-            <a:endParaRPr lang="en-US" dirty="0"/>
-          </a:p>
-        </p:txBody>
-      </p:sp>
-      <p:sp>
-        <p:nvSpPr>
-          <p:cNvPr id="3" name="Content Placeholder 2"/>
-          <p:cNvSpPr>
-            <a:spLocks noGrp="1"/>
-          </p:cNvSpPr>
-          <p:nvPr>
-            <p:ph idx="1"/>
-          </p:nvPr>
-        </p:nvSpPr>
-        <p:spPr/>
-        <p:txBody>
-          <a:bodyPr/>
-          <a:lstStyle/>
-          <a:p>
-            <a:r>
-              <a:rPr lang="en-US" b="1" dirty="0" err="1" smtClean="0"/>
-              <a:t>RE</a:t>
-            </a:r>
-            <a:r>
-              <a:rPr lang="en-US" dirty="0" err="1" smtClean="0"/>
-              <a:t>presentational</a:t>
-            </a:r>
-            <a:r>
-              <a:rPr lang="en-US" dirty="0" smtClean="0"/>
-              <a:t> </a:t>
-            </a:r>
-            <a:r>
-              <a:rPr lang="en-US" b="1" dirty="0"/>
-              <a:t>S</a:t>
-            </a:r>
-            <a:r>
-              <a:rPr lang="en-US" dirty="0"/>
-              <a:t>tate </a:t>
-            </a:r>
-            <a:r>
-              <a:rPr lang="en-US" b="1" dirty="0"/>
-              <a:t>T</a:t>
-            </a:r>
-            <a:r>
-              <a:rPr lang="en-US" dirty="0"/>
-              <a:t>ransfer</a:t>
-            </a:r>
-          </a:p>
-          <a:p>
-            <a:endParaRPr lang="en-US" dirty="0" smtClean="0"/>
-          </a:p>
-          <a:p>
-            <a:r>
-              <a:rPr lang="en-US" dirty="0" smtClean="0"/>
-              <a:t>Simple APIs with very few external dependencies</a:t>
-            </a:r>
-          </a:p>
-          <a:p>
-            <a:endParaRPr lang="en-US" dirty="0"/>
-          </a:p>
-          <a:p>
-            <a:r>
-              <a:rPr lang="en-US" dirty="0" smtClean="0"/>
-              <a:t>Can use the web (HTTP) to communicate</a:t>
-            </a:r>
-          </a:p>
-          <a:p>
-            <a:endParaRPr lang="en-US" dirty="0"/>
-          </a:p>
-          <a:p>
-            <a:r>
-              <a:rPr lang="en-US" dirty="0" smtClean="0"/>
-              <a:t>Can be queried by</a:t>
-            </a:r>
-          </a:p>
-          <a:p>
-            <a:pPr lvl="1"/>
-            <a:r>
-              <a:rPr lang="en-US" dirty="0" smtClean="0"/>
-              <a:t>Web browsers</a:t>
-            </a:r>
-          </a:p>
-          <a:p>
-            <a:pPr lvl="1"/>
-            <a:r>
-              <a:rPr lang="en-US" dirty="0" smtClean="0"/>
-              <a:t>Command line tools</a:t>
-            </a:r>
-          </a:p>
-          <a:p>
-            <a:pPr lvl="1"/>
-            <a:r>
-              <a:rPr lang="en-US" dirty="0" smtClean="0"/>
-              <a:t>Programming languages</a:t>
-            </a:r>
-            <a:endParaRPr lang="en-US" dirty="0"/>
-          </a:p>
-        </p:txBody>
-      </p:sp>
-      <p:pic>
-        <p:nvPicPr>
-          <p:cNvPr id="4" name="Picture 3" descr="images.jpg"/>
-          <p:cNvPicPr>
-            <a:picLocks noChangeAspect="1"/>
-          </p:cNvPicPr>
-          <p:nvPr/>
-        </p:nvPicPr>
-        <p:blipFill>
-          <a:blip r:embed="rId2">
-            <a:extLst>
-              <a:ext uri="{28A0092B-C50C-407E-A947-70E740481C1C}">
-                <a14:useLocalDpi xmlns:a14="http://schemas.microsoft.com/office/drawing/2010/main" val="0"/>
-              </a:ext>
-            </a:extLst>
-          </a:blip>
-          <a:stretch>
-            <a:fillRect/>
-          </a:stretch>
-        </p:blipFill>
-        <p:spPr>
-          <a:xfrm>
-            <a:off x="7298290" y="4524030"/>
-            <a:ext cx="1257603" cy="1252014"/>
-          </a:xfrm>
-          <a:prstGeom prst="rect">
-            <a:avLst/>
-          </a:prstGeom>
-          <a:ln>
-            <a:noFill/>
-          </a:ln>
-          <a:effectLst>
-            <a:outerShdw blurRad="292100" dist="139700" dir="2700000" algn="tl" rotWithShape="0">
-              <a:srgbClr val="333333">
-                <a:alpha val="65000"/>
-              </a:srgbClr>
-            </a:outerShdw>
-          </a:effectLst>
-        </p:spPr>
-      </p:pic>
-      <p:pic>
-        <p:nvPicPr>
-          <p:cNvPr id="6" name="Picture 5" descr="url.jpg"/>
-          <p:cNvPicPr>
-            <a:picLocks noChangeAspect="1"/>
-          </p:cNvPicPr>
-          <p:nvPr/>
-        </p:nvPicPr>
-        <p:blipFill>
-          <a:blip r:embed="rId3">
-            <a:extLst>
-              <a:ext uri="{28A0092B-C50C-407E-A947-70E740481C1C}">
-                <a14:useLocalDpi xmlns:a14="http://schemas.microsoft.com/office/drawing/2010/main" val="0"/>
-              </a:ext>
-            </a:extLst>
-          </a:blip>
-          <a:stretch>
-            <a:fillRect/>
-          </a:stretch>
-        </p:blipFill>
-        <p:spPr>
-          <a:xfrm>
-            <a:off x="4212862" y="4060960"/>
-            <a:ext cx="2866338" cy="962853"/>
-          </a:xfrm>
-          <a:prstGeom prst="roundRect">
-            <a:avLst>
-              <a:gd name="adj" fmla="val 8594"/>
-            </a:avLst>
-          </a:prstGeom>
-          <a:solidFill>
-            <a:srgbClr val="FFFFFF">
-              <a:shade val="85000"/>
-            </a:srgbClr>
-          </a:solidFill>
-          <a:ln>
-            <a:noFill/>
-          </a:ln>
-          <a:effectLst>
-            <a:reflection blurRad="12700" stA="38000" endPos="28000" dist="5000" dir="5400000" sy="-100000" algn="bl" rotWithShape="0"/>
-          </a:effectLst>
-        </p:spPr>
-      </p:pic>
-    </p:spTree>
-    <p:extLst>
-      <p:ext uri="{BB962C8B-B14F-4D97-AF65-F5344CB8AC3E}">
-        <p14:creationId xmlns:p14="http://schemas.microsoft.com/office/powerpoint/2010/main" val="1579477409"/>
-      </p:ext>
-    </p:extLst>
-  </p:cSld>
-  <p:clrMapOvr>
-    <a:masterClrMapping/>
-  </p:clrMapOvr>
-  <p:timing>
-    <p:tnLst>
-      <p:par>
-        <p:cTn xmlns:p14="http://schemas.microsoft.com/office/powerpoint/2010/main" id="1" dur="indefinite" restart="never" nodeType="tmRoot"/>
-      </p:par>
-    </p:tnLst>
-  </p:timing>
-</p:sld>
-</file>
-
-<file path=ppt/slides/slide60.xml><?xml version="1.0" encoding="utf-8"?>
+<file path=ppt/slides/slide61.xml><?xml version="1.0" encoding="utf-8"?>
 <p:sld xmlns:a="http://schemas.openxmlformats.org/drawingml/2006/main" xmlns:r="http://schemas.openxmlformats.org/officeDocument/2006/relationships" xmlns:p="http://schemas.openxmlformats.org/presentationml/2006/main">
   <p:cSld>
     <p:spTree>
@@ -23144,7 +24016,7 @@
 </p:sld>
 </file>
 
-<file path=ppt/slides/slide61.xml><?xml version="1.0" encoding="utf-8"?>
+<file path=ppt/slides/slide62.xml><?xml version="1.0" encoding="utf-8"?>
 <p:sld xmlns:a="http://schemas.openxmlformats.org/drawingml/2006/main" xmlns:r="http://schemas.openxmlformats.org/officeDocument/2006/relationships" xmlns:p="http://schemas.openxmlformats.org/presentationml/2006/main">
   <p:cSld>
     <p:spTree>
@@ -23819,7 +24691,7 @@
 </p:sld>
 </file>
 
-<file path=ppt/slides/slide62.xml><?xml version="1.0" encoding="utf-8"?>
+<file path=ppt/slides/slide63.xml><?xml version="1.0" encoding="utf-8"?>
 <p:sld xmlns:a="http://schemas.openxmlformats.org/drawingml/2006/main" xmlns:r="http://schemas.openxmlformats.org/officeDocument/2006/relationships" xmlns:p="http://schemas.openxmlformats.org/presentationml/2006/main">
   <p:cSld>
     <p:spTree>

--- a/API/REST/REST_bitesized.pptx
+++ b/API/REST/REST_bitesized.pptx
@@ -5,12 +5,12 @@
     <p:sldMasterId id="2147483660" r:id="rId1"/>
   </p:sldMasterIdLst>
   <p:notesMasterIdLst>
-    <p:notesMasterId r:id="rId65"/>
+    <p:notesMasterId r:id="rId64"/>
   </p:notesMasterIdLst>
   <p:sldIdLst>
     <p:sldId id="257" r:id="rId2"/>
     <p:sldId id="258" r:id="rId3"/>
-    <p:sldId id="310" r:id="rId4"/>
+    <p:sldId id="351" r:id="rId4"/>
     <p:sldId id="264" r:id="rId5"/>
     <p:sldId id="311" r:id="rId6"/>
     <p:sldId id="259" r:id="rId7"/>
@@ -59,18 +59,17 @@
     <p:sldId id="348" r:id="rId50"/>
     <p:sldId id="346" r:id="rId51"/>
     <p:sldId id="349" r:id="rId52"/>
-    <p:sldId id="307" r:id="rId53"/>
-    <p:sldId id="350" r:id="rId54"/>
-    <p:sldId id="287" r:id="rId55"/>
-    <p:sldId id="300" r:id="rId56"/>
-    <p:sldId id="295" r:id="rId57"/>
-    <p:sldId id="301" r:id="rId58"/>
-    <p:sldId id="302" r:id="rId59"/>
-    <p:sldId id="273" r:id="rId60"/>
-    <p:sldId id="282" r:id="rId61"/>
-    <p:sldId id="289" r:id="rId62"/>
-    <p:sldId id="290" r:id="rId63"/>
-    <p:sldId id="305" r:id="rId64"/>
+    <p:sldId id="350" r:id="rId53"/>
+    <p:sldId id="287" r:id="rId54"/>
+    <p:sldId id="300" r:id="rId55"/>
+    <p:sldId id="295" r:id="rId56"/>
+    <p:sldId id="301" r:id="rId57"/>
+    <p:sldId id="302" r:id="rId58"/>
+    <p:sldId id="273" r:id="rId59"/>
+    <p:sldId id="282" r:id="rId60"/>
+    <p:sldId id="289" r:id="rId61"/>
+    <p:sldId id="290" r:id="rId62"/>
+    <p:sldId id="305" r:id="rId63"/>
   </p:sldIdLst>
   <p:sldSz cx="9144000" cy="6858000" type="screen4x3"/>
   <p:notesSz cx="6858000" cy="9144000"/>
@@ -4085,151 +4084,6 @@
 </file>
 
 <file path=ppt/notesSlides/notesSlide6.xml><?xml version="1.0" encoding="utf-8"?>
-<p:notes xmlns:a="http://schemas.openxmlformats.org/drawingml/2006/main" xmlns:r="http://schemas.openxmlformats.org/officeDocument/2006/relationships" xmlns:p="http://schemas.openxmlformats.org/presentationml/2006/main" showMasterSp="0" showMasterPhAnim="0">
-  <p:cSld>
-    <p:spTree>
-      <p:nvGrpSpPr>
-        <p:cNvPr id="1" name=""/>
-        <p:cNvGrpSpPr/>
-        <p:nvPr/>
-      </p:nvGrpSpPr>
-      <p:grpSpPr>
-        <a:xfrm>
-          <a:off x="0" y="0"/>
-          <a:ext cx="0" cy="0"/>
-          <a:chOff x="0" y="0"/>
-          <a:chExt cx="0" cy="0"/>
-        </a:xfrm>
-      </p:grpSpPr>
-      <p:sp>
-        <p:nvSpPr>
-          <p:cNvPr id="143" name="Shape 143"/>
-          <p:cNvSpPr>
-            <a:spLocks noGrp="1" noRot="1" noChangeAspect="1"/>
-          </p:cNvSpPr>
-          <p:nvPr>
-            <p:ph type="sldImg" idx="2"/>
-          </p:nvPr>
-        </p:nvSpPr>
-        <p:spPr>
-          <a:xfrm>
-            <a:off x="1143000" y="685800"/>
-            <a:ext cx="4572000" cy="3429000"/>
-          </a:xfrm>
-          <a:custGeom>
-            <a:avLst/>
-            <a:gdLst/>
-            <a:ahLst/>
-            <a:cxnLst/>
-            <a:rect l="0" t="0" r="0" b="0"/>
-            <a:pathLst>
-              <a:path w="120000" h="120000" extrusionOk="0">
-                <a:moveTo>
-                  <a:pt x="0" y="0"/>
-                </a:moveTo>
-                <a:lnTo>
-                  <a:pt x="120000" y="0"/>
-                </a:lnTo>
-                <a:lnTo>
-                  <a:pt x="120000" y="120000"/>
-                </a:lnTo>
-                <a:lnTo>
-                  <a:pt x="0" y="120000"/>
-                </a:lnTo>
-                <a:close/>
-              </a:path>
-            </a:pathLst>
-          </a:custGeom>
-          <a:ln w="12700" cap="flat">
-            <a:solidFill>
-              <a:srgbClr val="000000"/>
-            </a:solidFill>
-            <a:round/>
-            <a:headEnd type="none" w="med" len="med"/>
-            <a:tailEnd type="none" w="med" len="med"/>
-          </a:ln>
-        </p:spPr>
-      </p:sp>
-      <p:sp>
-        <p:nvSpPr>
-          <p:cNvPr id="144" name="Shape 144"/>
-          <p:cNvSpPr txBox="1">
-            <a:spLocks noGrp="1"/>
-          </p:cNvSpPr>
-          <p:nvPr>
-            <p:ph type="body" idx="1"/>
-          </p:nvPr>
-        </p:nvSpPr>
-        <p:spPr>
-          <a:xfrm>
-            <a:off x="685800" y="4343400"/>
-            <a:ext cx="5486400" cy="4114800"/>
-          </a:xfrm>
-          <a:ln/>
-        </p:spPr>
-        <p:txBody>
-          <a:bodyPr lIns="91752" tIns="45876" rIns="91752" bIns="45876">
-            <a:noAutofit/>
-          </a:bodyPr>
-          <a:lstStyle/>
-          <a:p>
-            <a:pPr>
-              <a:defRPr/>
-            </a:pPr>
-            <a:r>
-              <a:rPr lang="en-GB" sz="1800">
-                <a:cs typeface="+mn-cs"/>
-              </a:rPr>
-              <a:t>Updated November 2012</a:t>
-            </a:r>
-          </a:p>
-        </p:txBody>
-      </p:sp>
-      <p:sp>
-        <p:nvSpPr>
-          <p:cNvPr id="145" name="Shape 145"/>
-          <p:cNvSpPr>
-            <a:spLocks noGrp="1"/>
-          </p:cNvSpPr>
-          <p:nvPr>
-            <p:ph type="sldNum" sz="quarter"/>
-          </p:nvPr>
-        </p:nvSpPr>
-        <p:spPr>
-          <a:xfrm>
-            <a:off x="3884613" y="8685213"/>
-            <a:ext cx="2971800" cy="457200"/>
-          </a:xfrm>
-        </p:spPr>
-        <p:txBody>
-          <a:bodyPr lIns="91752" tIns="45876" rIns="91752" bIns="45876">
-            <a:noAutofit/>
-          </a:bodyPr>
-          <a:lstStyle/>
-          <a:p>
-            <a:pPr>
-              <a:spcBef>
-                <a:spcPts val="0"/>
-              </a:spcBef>
-              <a:buSzPct val="25000"/>
-              <a:defRPr/>
-            </a:pPr>
-            <a:r>
-              <a:rPr lang="en-GB" sz="1400"/>
-              <a:t> </a:t>
-            </a:r>
-          </a:p>
-        </p:txBody>
-      </p:sp>
-    </p:spTree>
-  </p:cSld>
-  <p:clrMapOvr>
-    <a:masterClrMapping/>
-  </p:clrMapOvr>
-</p:notes>
-</file>
-
-<file path=ppt/notesSlides/notesSlide7.xml><?xml version="1.0" encoding="utf-8"?>
 <p:notes xmlns:a="http://schemas.openxmlformats.org/drawingml/2006/main" xmlns:r="http://schemas.openxmlformats.org/officeDocument/2006/relationships" xmlns:p="http://schemas.openxmlformats.org/presentationml/2006/main">
   <p:cSld>
     <p:spTree>
@@ -4300,7 +4154,7 @@
                 <a:latin typeface="Calibri"/>
               </a:rPr>
               <a:pPr/>
-              <a:t>53</a:t>
+              <a:t>52</a:t>
             </a:fld>
             <a:endParaRPr lang="en-US">
               <a:solidFill>
@@ -13186,10 +13040,9 @@
               <a:buNone/>
             </a:pPr>
             <a:r>
-              <a:rPr lang="en-US" dirty="0" smtClean="0"/>
-              <a:t>Starting with a region in GRCh37, </a:t>
-            </a:r>
-            <a:endParaRPr lang="en-US" dirty="0" smtClean="0"/>
+              <a:rPr lang="en-US" dirty="0"/>
+              <a:t>Starting with a region in GRCh37, 17:64216194-64218564:1</a:t>
+            </a:r>
           </a:p>
           <a:p>
             <a:pPr marL="857250" lvl="1" indent="-457200">
@@ -13228,7 +13081,7 @@
             </a:pPr>
             <a:r>
               <a:rPr lang="en-US" dirty="0" smtClean="0"/>
-              <a:t>Look for variations</a:t>
+              <a:t>Look for variant consequences</a:t>
             </a:r>
             <a:endParaRPr lang="en-US" b="1" dirty="0" smtClean="0"/>
           </a:p>
@@ -13295,7 +13148,7 @@
           <a:p>
             <a:r>
               <a:rPr lang="en-US" dirty="0" smtClean="0"/>
-              <a:t>Outline</a:t>
+              <a:t>Documentation and Help</a:t>
             </a:r>
             <a:endParaRPr lang="en-US" dirty="0"/>
           </a:p>
@@ -13313,152 +13166,297 @@
         </p:nvSpPr>
         <p:spPr>
           <a:xfrm>
-            <a:off x="685800" y="1259754"/>
-            <a:ext cx="7772400" cy="4828971"/>
+            <a:off x="685800" y="1600199"/>
+            <a:ext cx="7772400" cy="4553441"/>
           </a:xfrm>
         </p:spPr>
         <p:txBody>
           <a:bodyPr/>
           <a:lstStyle/>
           <a:p>
-            <a:pPr marL="457200" indent="-457200">
-              <a:lnSpc>
-                <a:spcPct val="130000"/>
-              </a:lnSpc>
-              <a:buFont typeface="+mj-lt"/>
-              <a:buAutoNum type="arabicPeriod"/>
+            <a:r>
+              <a:rPr lang="en-US" sz="2400" dirty="0">
+                <a:hlinkClick r:id="rId2"/>
+              </a:rPr>
+              <a:t>https://github.com/Ensembl/ensembl-presentation</a:t>
+            </a:r>
+            <a:r>
+              <a:rPr lang="en-US" sz="2400" dirty="0" smtClean="0">
+                <a:hlinkClick r:id="rId2"/>
+              </a:rPr>
+              <a:t>/</a:t>
+            </a:r>
+          </a:p>
+          <a:p>
+            <a:pPr lvl="1"/>
+            <a:r>
+              <a:rPr lang="en-US" dirty="0" smtClean="0"/>
+              <a:t>This presentation</a:t>
+            </a:r>
+            <a:endParaRPr lang="en-US" dirty="0">
+              <a:hlinkClick r:id="rId2"/>
+            </a:endParaRPr>
+          </a:p>
+          <a:p>
+            <a:r>
+              <a:rPr lang="en-US" sz="2400" dirty="0" smtClean="0">
+                <a:hlinkClick r:id="rId2"/>
+              </a:rPr>
+              <a:t>https</a:t>
+            </a:r>
+            <a:r>
+              <a:rPr lang="en-US" sz="2400" dirty="0">
+                <a:hlinkClick r:id="rId2"/>
+              </a:rPr>
+              <a:t>://github.com/Ensembl/ensembl-rest/</a:t>
+            </a:r>
+            <a:r>
+              <a:rPr lang="en-US" sz="2400" dirty="0" smtClean="0">
+                <a:hlinkClick r:id="rId2"/>
+              </a:rPr>
+              <a:t>wiki</a:t>
+            </a:r>
+            <a:endParaRPr lang="en-US" sz="2400" dirty="0" smtClean="0"/>
+          </a:p>
+          <a:p>
+            <a:pPr lvl="1"/>
+            <a:r>
+              <a:rPr lang="en-US" dirty="0" smtClean="0"/>
+              <a:t>How to write your first client</a:t>
+            </a:r>
+          </a:p>
+          <a:p>
+            <a:pPr lvl="1"/>
+            <a:r>
+              <a:rPr lang="en-US" dirty="0" smtClean="0"/>
+              <a:t>How to write POST requests</a:t>
+            </a:r>
+          </a:p>
+          <a:p>
+            <a:pPr>
+              <a:spcBef>
+                <a:spcPts val="550"/>
+              </a:spcBef>
+              <a:buFont typeface="Times New Roman" charset="0"/>
+              <a:buChar char="•"/>
+              <a:defRPr/>
             </a:pPr>
             <a:r>
-              <a:rPr lang="en-US" dirty="0" smtClean="0"/>
-              <a:t>Introduction to the </a:t>
-            </a:r>
-            <a:r>
-              <a:rPr lang="en-US" dirty="0" err="1" smtClean="0"/>
+              <a:rPr lang="en-US" sz="2400" dirty="0" err="1">
+                <a:solidFill>
+                  <a:srgbClr val="000080"/>
+                </a:solidFill>
+              </a:rPr>
+              <a:t>dev@ensembl.org</a:t>
+            </a:r>
+            <a:r>
+              <a:rPr lang="en-US" sz="2400" dirty="0">
+                <a:solidFill>
+                  <a:srgbClr val="000080"/>
+                </a:solidFill>
+              </a:rPr>
+              <a:t> mailing list:</a:t>
+            </a:r>
+          </a:p>
+          <a:p>
+            <a:pPr>
+              <a:spcBef>
+                <a:spcPts val="500"/>
+              </a:spcBef>
+              <a:buClrTx/>
+              <a:buFontTx/>
+              <a:buNone/>
+              <a:defRPr/>
+            </a:pPr>
+            <a:r>
+              <a:rPr lang="en-US" sz="2400" dirty="0">
+                <a:solidFill>
+                  <a:srgbClr val="000080"/>
+                </a:solidFill>
+              </a:rPr>
+              <a:t> 	</a:t>
+            </a:r>
+            <a:r>
+              <a:rPr lang="en-US" sz="2000" dirty="0">
+                <a:solidFill>
+                  <a:srgbClr val="004A4A"/>
+                </a:solidFill>
+              </a:rPr>
+              <a:t>http://</a:t>
+            </a:r>
+            <a:r>
+              <a:rPr lang="en-US" sz="2000" dirty="0" err="1">
+                <a:solidFill>
+                  <a:srgbClr val="004A4A"/>
+                </a:solidFill>
+              </a:rPr>
+              <a:t>www.ensembl.org</a:t>
+            </a:r>
+            <a:r>
+              <a:rPr lang="en-US" sz="2000" dirty="0">
+                <a:solidFill>
+                  <a:srgbClr val="004A4A"/>
+                </a:solidFill>
+              </a:rPr>
+              <a:t>/info/about/contact/</a:t>
+            </a:r>
+            <a:r>
+              <a:rPr lang="en-US" sz="2000" dirty="0" err="1">
+                <a:solidFill>
+                  <a:srgbClr val="004A4A"/>
+                </a:solidFill>
+              </a:rPr>
+              <a:t>mailing.html</a:t>
+            </a:r>
+            <a:endParaRPr lang="en-US" sz="2000" dirty="0">
+              <a:solidFill>
+                <a:srgbClr val="004A4A"/>
+              </a:solidFill>
+            </a:endParaRPr>
+          </a:p>
+          <a:p>
+            <a:pPr>
+              <a:spcBef>
+                <a:spcPts val="500"/>
+              </a:spcBef>
+              <a:buClrTx/>
+              <a:buFontTx/>
+              <a:buNone/>
+              <a:defRPr/>
+            </a:pPr>
+            <a:r>
+              <a:rPr lang="en-US" sz="2000" dirty="0">
+                <a:solidFill>
+                  <a:srgbClr val="004A4A"/>
+                </a:solidFill>
+              </a:rPr>
+              <a:t>	searchable mailing list archive: </a:t>
+            </a:r>
+          </a:p>
+          <a:p>
+            <a:pPr>
+              <a:spcBef>
+                <a:spcPts val="500"/>
+              </a:spcBef>
+              <a:buClrTx/>
+              <a:buFontTx/>
+              <a:buNone/>
+              <a:defRPr/>
+            </a:pPr>
+            <a:r>
+              <a:rPr lang="en-US" sz="2000" dirty="0">
+                <a:solidFill>
+                  <a:srgbClr val="004A4A"/>
+                </a:solidFill>
+              </a:rPr>
+              <a:t>	http://</a:t>
+            </a:r>
+            <a:r>
+              <a:rPr lang="en-US" sz="2000" dirty="0" err="1">
+                <a:solidFill>
+                  <a:srgbClr val="004A4A"/>
+                </a:solidFill>
+              </a:rPr>
+              <a:t>blog.gmane.org</a:t>
+            </a:r>
+            <a:r>
+              <a:rPr lang="en-US" sz="2000" dirty="0">
+                <a:solidFill>
+                  <a:srgbClr val="004A4A"/>
+                </a:solidFill>
+              </a:rPr>
+              <a:t>/</a:t>
+            </a:r>
+            <a:r>
+              <a:rPr lang="en-US" sz="2000" dirty="0" err="1">
+                <a:solidFill>
+                  <a:srgbClr val="004A4A"/>
+                </a:solidFill>
+              </a:rPr>
+              <a:t>gmane.science.biology.ensembl.devel</a:t>
+            </a:r>
+            <a:endParaRPr lang="en-US" sz="2000" dirty="0">
+              <a:solidFill>
+                <a:srgbClr val="004A4A"/>
+              </a:solidFill>
+            </a:endParaRPr>
+          </a:p>
+          <a:p>
+            <a:pPr>
+              <a:spcBef>
+                <a:spcPts val="550"/>
+              </a:spcBef>
+              <a:buFont typeface="Times New Roman" charset="0"/>
+              <a:buChar char="•"/>
+              <a:defRPr/>
+            </a:pPr>
+            <a:r>
+              <a:rPr lang="en-US" sz="2400" dirty="0" err="1">
+                <a:solidFill>
+                  <a:srgbClr val="000080"/>
+                </a:solidFill>
+              </a:rPr>
               <a:t>Ensembl</a:t>
             </a:r>
             <a:r>
-              <a:rPr lang="en-US" dirty="0" smtClean="0"/>
-              <a:t> REST APIs on </a:t>
-            </a:r>
-            <a:r>
-              <a:rPr lang="en-US" dirty="0" err="1" smtClean="0"/>
-              <a:t>rest.ensembl.org</a:t>
-            </a:r>
-            <a:r>
-              <a:rPr lang="en-US" dirty="0" smtClean="0"/>
-              <a:t> and grch37.rest.ensembl.org</a:t>
-            </a:r>
-          </a:p>
-          <a:p>
-            <a:pPr marL="457200" indent="-457200">
-              <a:lnSpc>
-                <a:spcPct val="130000"/>
-              </a:lnSpc>
-              <a:buFont typeface="+mj-lt"/>
-              <a:buAutoNum type="arabicPeriod"/>
+              <a:rPr lang="en-US" sz="2400" dirty="0">
+                <a:solidFill>
+                  <a:srgbClr val="000080"/>
+                </a:solidFill>
+              </a:rPr>
+              <a:t> helpdesk:</a:t>
+            </a:r>
+          </a:p>
+          <a:p>
+            <a:pPr>
+              <a:spcBef>
+                <a:spcPts val="500"/>
+              </a:spcBef>
+              <a:buClrTx/>
+              <a:buFontTx/>
+              <a:buNone/>
+              <a:defRPr/>
             </a:pPr>
             <a:r>
-              <a:rPr lang="en-US" dirty="0" smtClean="0"/>
-              <a:t>How to make REST requests</a:t>
-            </a:r>
-          </a:p>
-          <a:p>
-            <a:pPr marL="457200" indent="-457200">
-              <a:lnSpc>
-                <a:spcPct val="130000"/>
-              </a:lnSpc>
-              <a:buFont typeface="+mj-lt"/>
-              <a:buAutoNum type="arabicPeriod"/>
+              <a:rPr lang="en-US" sz="2400" dirty="0">
+                <a:solidFill>
+                  <a:srgbClr val="000080"/>
+                </a:solidFill>
+              </a:rPr>
+              <a:t>	</a:t>
+            </a:r>
+            <a:r>
+              <a:rPr lang="en-US" sz="2000" dirty="0" err="1">
+                <a:solidFill>
+                  <a:srgbClr val="004A4A"/>
+                </a:solidFill>
+              </a:rPr>
+              <a:t>helpdesk@ensembl.org</a:t>
+            </a:r>
+            <a:endParaRPr lang="en-US" sz="2000" dirty="0">
+              <a:solidFill>
+                <a:srgbClr val="004A4A"/>
+              </a:solidFill>
+            </a:endParaRPr>
+          </a:p>
+          <a:p>
+            <a:pPr marL="0" indent="0">
+              <a:buNone/>
             </a:pPr>
-            <a:r>
-              <a:rPr lang="en-US" dirty="0" smtClean="0"/>
-              <a:t>How to fetch data with Python, Ruby, Perl or from the UNIX command line</a:t>
-            </a:r>
-          </a:p>
-          <a:p>
-            <a:pPr marL="457200" indent="-457200">
-              <a:lnSpc>
-                <a:spcPct val="130000"/>
-              </a:lnSpc>
-              <a:buFont typeface="+mj-lt"/>
-              <a:buAutoNum type="arabicPeriod"/>
-            </a:pPr>
-            <a:r>
-              <a:rPr lang="en-US" dirty="0" smtClean="0"/>
-              <a:t>Data available:</a:t>
-            </a:r>
-          </a:p>
-          <a:p>
-            <a:pPr marL="857250" lvl="1" indent="-457200">
-              <a:lnSpc>
-                <a:spcPct val="130000"/>
-              </a:lnSpc>
-              <a:buFont typeface="+mj-lt"/>
-              <a:buAutoNum type="arabicPeriod"/>
-            </a:pPr>
-            <a:r>
-              <a:rPr lang="en-US" dirty="0" smtClean="0"/>
-              <a:t>sequences and genomic features</a:t>
-            </a:r>
-          </a:p>
-          <a:p>
-            <a:pPr marL="857250" lvl="1" indent="-457200">
-              <a:lnSpc>
-                <a:spcPct val="130000"/>
-              </a:lnSpc>
-              <a:buFont typeface="+mj-lt"/>
-              <a:buAutoNum type="arabicPeriod"/>
-            </a:pPr>
-            <a:r>
-              <a:rPr lang="en-US" dirty="0" smtClean="0"/>
-              <a:t>genomic alignments or gene trees</a:t>
-            </a:r>
-          </a:p>
-          <a:p>
-            <a:pPr marL="857250" lvl="1" indent="-457200">
-              <a:lnSpc>
-                <a:spcPct val="130000"/>
-              </a:lnSpc>
-              <a:buFont typeface="+mj-lt"/>
-              <a:buAutoNum type="arabicPeriod"/>
-            </a:pPr>
-            <a:r>
-              <a:rPr lang="en-US" dirty="0" smtClean="0"/>
-              <a:t>convert coordinates between two different assemblies</a:t>
-            </a:r>
-          </a:p>
-          <a:p>
-            <a:pPr marL="857250" lvl="1" indent="-457200">
-              <a:lnSpc>
-                <a:spcPct val="130000"/>
-              </a:lnSpc>
-              <a:buFont typeface="+mj-lt"/>
-              <a:buAutoNum type="arabicPeriod"/>
-            </a:pPr>
-            <a:r>
-              <a:rPr lang="en-US" dirty="0" smtClean="0"/>
-              <a:t>Fetch variant consequences based on a SNP or a CNV</a:t>
-            </a:r>
+            <a:endParaRPr lang="en-US" dirty="0"/>
           </a:p>
         </p:txBody>
       </p:sp>
     </p:spTree>
     <p:extLst>
       <p:ext uri="{BB962C8B-B14F-4D97-AF65-F5344CB8AC3E}">
-        <p14:creationId xmlns:p14="http://schemas.microsoft.com/office/powerpoint/2010/main" val="3926749575"/>
+        <p14:creationId xmlns:p14="http://schemas.microsoft.com/office/powerpoint/2010/main" val="3966360208"/>
       </p:ext>
     </p:extLst>
   </p:cSld>
   <p:clrMapOvr>
     <a:masterClrMapping/>
   </p:clrMapOvr>
-  <p:timing>
-    <p:tnLst>
-      <p:par>
-        <p:cTn xmlns:p14="http://schemas.microsoft.com/office/powerpoint/2010/main" id="1" dur="indefinite" restart="never" nodeType="tmRoot"/>
-      </p:par>
-    </p:tnLst>
-  </p:timing>
 </p:sld>
 </file>
 
@@ -17793,786 +17791,6 @@
 </file>
 
 <file path=ppt/slides/slide52.xml><?xml version="1.0" encoding="utf-8"?>
-<p:sld xmlns:a="http://schemas.openxmlformats.org/drawingml/2006/main" xmlns:r="http://schemas.openxmlformats.org/officeDocument/2006/relationships" xmlns:p="http://schemas.openxmlformats.org/presentationml/2006/main">
-  <p:cSld>
-    <p:spTree>
-      <p:nvGrpSpPr>
-        <p:cNvPr id="1" name=""/>
-        <p:cNvGrpSpPr/>
-        <p:nvPr/>
-      </p:nvGrpSpPr>
-      <p:grpSpPr>
-        <a:xfrm>
-          <a:off x="0" y="0"/>
-          <a:ext cx="0" cy="0"/>
-          <a:chOff x="0" y="0"/>
-          <a:chExt cx="0" cy="0"/>
-        </a:xfrm>
-      </p:grpSpPr>
-      <p:pic>
-        <p:nvPicPr>
-          <p:cNvPr id="186369" name="Shape 127"/>
-          <p:cNvPicPr preferRelativeResize="0">
-            <a:picLocks noChangeAspect="1" noChangeArrowheads="1"/>
-          </p:cNvPicPr>
-          <p:nvPr/>
-        </p:nvPicPr>
-        <p:blipFill>
-          <a:blip r:embed="rId3">
-            <a:extLst>
-              <a:ext uri="{28A0092B-C50C-407E-A947-70E740481C1C}">
-                <a14:useLocalDpi xmlns:a14="http://schemas.microsoft.com/office/drawing/2010/main" val="0"/>
-              </a:ext>
-            </a:extLst>
-          </a:blip>
-          <a:srcRect/>
-          <a:stretch>
-            <a:fillRect/>
-          </a:stretch>
-        </p:blipFill>
-        <p:spPr bwMode="auto">
-          <a:xfrm>
-            <a:off x="6999841" y="5312719"/>
-            <a:ext cx="1477440" cy="842488"/>
-          </a:xfrm>
-          <a:prstGeom prst="rect">
-            <a:avLst/>
-          </a:prstGeom>
-          <a:noFill/>
-          <a:ln>
-            <a:noFill/>
-          </a:ln>
-          <a:extLst>
-            <a:ext uri="{909E8E84-426E-40dd-AFC4-6F175D3DCCD1}">
-              <a14:hiddenFill xmlns:a14="http://schemas.microsoft.com/office/drawing/2010/main">
-                <a:solidFill>
-                  <a:srgbClr val="FFFFFF"/>
-                </a:solidFill>
-              </a14:hiddenFill>
-            </a:ext>
-            <a:ext uri="{91240B29-F687-4f45-9708-019B960494DF}">
-              <a14:hiddenLine xmlns:a14="http://schemas.microsoft.com/office/drawing/2010/main" w="9525">
-                <a:solidFill>
-                  <a:srgbClr val="000000"/>
-                </a:solidFill>
-                <a:miter lim="800000"/>
-                <a:headEnd/>
-                <a:tailEnd/>
-              </a14:hiddenLine>
-            </a:ext>
-          </a:extLst>
-        </p:spPr>
-      </p:pic>
-      <p:sp>
-        <p:nvSpPr>
-          <p:cNvPr id="128" name="Shape 128"/>
-          <p:cNvSpPr txBox="1">
-            <a:spLocks noGrp="1"/>
-          </p:cNvSpPr>
-          <p:nvPr>
-            <p:ph type="title"/>
-          </p:nvPr>
-        </p:nvSpPr>
-        <p:spPr>
-          <a:xfrm>
-            <a:off x="456480" y="0"/>
-            <a:ext cx="8231040" cy="1143480"/>
-          </a:xfrm>
-        </p:spPr>
-        <p:txBody>
-          <a:bodyPr lIns="91416" tIns="45695" rIns="91416" bIns="45695" anchor="t">
-            <a:noAutofit/>
-          </a:bodyPr>
-          <a:lstStyle/>
-          <a:p>
-            <a:pPr>
-              <a:spcBef>
-                <a:spcPts val="0"/>
-              </a:spcBef>
-              <a:spcAft>
-                <a:spcPts val="0"/>
-              </a:spcAft>
-              <a:buSzPct val="25000"/>
-              <a:defRPr/>
-            </a:pPr>
-            <a:r>
-              <a:rPr lang="en-GB" dirty="0"/>
-              <a:t>Acknowledgements</a:t>
-            </a:r>
-          </a:p>
-        </p:txBody>
-      </p:sp>
-      <p:sp>
-        <p:nvSpPr>
-          <p:cNvPr id="129" name="Shape 129"/>
-          <p:cNvSpPr txBox="1">
-            <a:spLocks noGrp="1"/>
-          </p:cNvSpPr>
-          <p:nvPr>
-            <p:ph type="body" idx="1"/>
-          </p:nvPr>
-        </p:nvSpPr>
-        <p:spPr>
-          <a:xfrm>
-            <a:off x="325440" y="3956096"/>
-            <a:ext cx="3962880" cy="627906"/>
-          </a:xfrm>
-        </p:spPr>
-        <p:txBody>
-          <a:bodyPr lIns="91416" tIns="45695" rIns="91416" bIns="45695">
-            <a:noAutofit/>
-          </a:bodyPr>
-          <a:lstStyle/>
-          <a:p>
-            <a:pPr>
-              <a:spcBef>
-                <a:spcPts val="0"/>
-              </a:spcBef>
-              <a:spcAft>
-                <a:spcPts val="0"/>
-              </a:spcAft>
-              <a:buSzPct val="25000"/>
-              <a:defRPr/>
-            </a:pPr>
-            <a:r>
-              <a:rPr lang="en-GB">
-                <a:solidFill>
-                  <a:schemeClr val="dk1"/>
-                </a:solidFill>
-              </a:rPr>
-              <a:t>Funding</a:t>
-            </a:r>
-          </a:p>
-        </p:txBody>
-      </p:sp>
-      <p:sp>
-        <p:nvSpPr>
-          <p:cNvPr id="130" name="Shape 130"/>
-          <p:cNvSpPr txBox="1">
-            <a:spLocks noGrp="1"/>
-          </p:cNvSpPr>
-          <p:nvPr>
-            <p:ph type="body" idx="2"/>
-          </p:nvPr>
-        </p:nvSpPr>
-        <p:spPr>
-          <a:xfrm>
-            <a:off x="4366080" y="4383821"/>
-            <a:ext cx="2927520" cy="954821"/>
-          </a:xfrm>
-        </p:spPr>
-        <p:txBody>
-          <a:bodyPr lIns="91416" tIns="45695" rIns="91416" bIns="45695">
-            <a:noAutofit/>
-          </a:bodyPr>
-          <a:lstStyle/>
-          <a:p>
-            <a:pPr marL="0" indent="0" algn="r">
-              <a:spcBef>
-                <a:spcPts val="0"/>
-              </a:spcBef>
-              <a:spcAft>
-                <a:spcPts val="0"/>
-              </a:spcAft>
-              <a:buSzPct val="25000"/>
-              <a:defRPr/>
-            </a:pPr>
-            <a:r>
-              <a:rPr lang="en-GB" sz="1800">
-                <a:solidFill>
-                  <a:schemeClr val="dk1"/>
-                </a:solidFill>
-              </a:rPr>
-              <a:t>European Commission Framework Programme 7</a:t>
-            </a:r>
-          </a:p>
-        </p:txBody>
-      </p:sp>
-      <p:pic>
-        <p:nvPicPr>
-          <p:cNvPr id="186373" name="Shape 131"/>
-          <p:cNvPicPr preferRelativeResize="0">
-            <a:picLocks noChangeAspect="1" noChangeArrowheads="1"/>
-          </p:cNvPicPr>
-          <p:nvPr/>
-        </p:nvPicPr>
-        <p:blipFill>
-          <a:blip r:embed="rId4">
-            <a:extLst>
-              <a:ext uri="{28A0092B-C50C-407E-A947-70E740481C1C}">
-                <a14:useLocalDpi xmlns:a14="http://schemas.microsoft.com/office/drawing/2010/main" val="0"/>
-              </a:ext>
-            </a:extLst>
-          </a:blip>
-          <a:srcRect/>
-          <a:stretch>
-            <a:fillRect/>
-          </a:stretch>
-        </p:blipFill>
-        <p:spPr bwMode="auto">
-          <a:xfrm>
-            <a:off x="8023681" y="4859070"/>
-            <a:ext cx="684000" cy="554459"/>
-          </a:xfrm>
-          <a:prstGeom prst="rect">
-            <a:avLst/>
-          </a:prstGeom>
-          <a:noFill/>
-          <a:ln>
-            <a:noFill/>
-          </a:ln>
-          <a:extLst>
-            <a:ext uri="{909E8E84-426E-40dd-AFC4-6F175D3DCCD1}">
-              <a14:hiddenFill xmlns:a14="http://schemas.microsoft.com/office/drawing/2010/main">
-                <a:solidFill>
-                  <a:srgbClr val="FFFFFF"/>
-                </a:solidFill>
-              </a14:hiddenFill>
-            </a:ext>
-            <a:ext uri="{91240B29-F687-4f45-9708-019B960494DF}">
-              <a14:hiddenLine xmlns:a14="http://schemas.microsoft.com/office/drawing/2010/main" w="9525">
-                <a:solidFill>
-                  <a:srgbClr val="000000"/>
-                </a:solidFill>
-                <a:miter lim="800000"/>
-                <a:headEnd/>
-                <a:tailEnd/>
-              </a14:hiddenLine>
-            </a:ext>
-          </a:extLst>
-        </p:spPr>
-      </p:pic>
-      <p:pic>
-        <p:nvPicPr>
-          <p:cNvPr id="186374" name="Shape 132"/>
-          <p:cNvPicPr preferRelativeResize="0">
-            <a:picLocks noChangeAspect="1" noChangeArrowheads="1"/>
-          </p:cNvPicPr>
-          <p:nvPr/>
-        </p:nvPicPr>
-        <p:blipFill>
-          <a:blip r:embed="rId5">
-            <a:extLst>
-              <a:ext uri="{28A0092B-C50C-407E-A947-70E740481C1C}">
-                <a14:useLocalDpi xmlns:a14="http://schemas.microsoft.com/office/drawing/2010/main" val="0"/>
-              </a:ext>
-            </a:extLst>
-          </a:blip>
-          <a:srcRect/>
-          <a:stretch>
-            <a:fillRect/>
-          </a:stretch>
-        </p:blipFill>
-        <p:spPr bwMode="auto">
-          <a:xfrm>
-            <a:off x="7342561" y="4520636"/>
-            <a:ext cx="763200" cy="515574"/>
-          </a:xfrm>
-          <a:prstGeom prst="rect">
-            <a:avLst/>
-          </a:prstGeom>
-          <a:noFill/>
-          <a:ln>
-            <a:noFill/>
-          </a:ln>
-          <a:extLst>
-            <a:ext uri="{909E8E84-426E-40dd-AFC4-6F175D3DCCD1}">
-              <a14:hiddenFill xmlns:a14="http://schemas.microsoft.com/office/drawing/2010/main">
-                <a:solidFill>
-                  <a:srgbClr val="FFFFFF"/>
-                </a:solidFill>
-              </a14:hiddenFill>
-            </a:ext>
-            <a:ext uri="{91240B29-F687-4f45-9708-019B960494DF}">
-              <a14:hiddenLine xmlns:a14="http://schemas.microsoft.com/office/drawing/2010/main" w="9525">
-                <a:solidFill>
-                  <a:srgbClr val="000000"/>
-                </a:solidFill>
-                <a:miter lim="800000"/>
-                <a:headEnd/>
-                <a:tailEnd/>
-              </a14:hiddenLine>
-            </a:ext>
-          </a:extLst>
-        </p:spPr>
-      </p:pic>
-      <p:pic>
-        <p:nvPicPr>
-          <p:cNvPr id="186375" name="Shape 133"/>
-          <p:cNvPicPr preferRelativeResize="0">
-            <a:picLocks noChangeAspect="1" noChangeArrowheads="1"/>
-          </p:cNvPicPr>
-          <p:nvPr/>
-        </p:nvPicPr>
-        <p:blipFill>
-          <a:blip r:embed="rId6">
-            <a:extLst>
-              <a:ext uri="{28A0092B-C50C-407E-A947-70E740481C1C}">
-                <a14:useLocalDpi xmlns:a14="http://schemas.microsoft.com/office/drawing/2010/main" val="0"/>
-              </a:ext>
-            </a:extLst>
-          </a:blip>
-          <a:srcRect/>
-          <a:stretch>
-            <a:fillRect/>
-          </a:stretch>
-        </p:blipFill>
-        <p:spPr bwMode="auto">
-          <a:xfrm>
-            <a:off x="4151521" y="5185985"/>
-            <a:ext cx="2410560" cy="540056"/>
-          </a:xfrm>
-          <a:prstGeom prst="rect">
-            <a:avLst/>
-          </a:prstGeom>
-          <a:noFill/>
-          <a:ln>
-            <a:noFill/>
-          </a:ln>
-          <a:extLst>
-            <a:ext uri="{909E8E84-426E-40dd-AFC4-6F175D3DCCD1}">
-              <a14:hiddenFill xmlns:a14="http://schemas.microsoft.com/office/drawing/2010/main">
-                <a:solidFill>
-                  <a:srgbClr val="FFFFFF"/>
-                </a:solidFill>
-              </a14:hiddenFill>
-            </a:ext>
-            <a:ext uri="{91240B29-F687-4f45-9708-019B960494DF}">
-              <a14:hiddenLine xmlns:a14="http://schemas.microsoft.com/office/drawing/2010/main" w="9525">
-                <a:solidFill>
-                  <a:srgbClr val="000000"/>
-                </a:solidFill>
-                <a:miter lim="800000"/>
-                <a:headEnd/>
-                <a:tailEnd/>
-              </a14:hiddenLine>
-            </a:ext>
-          </a:extLst>
-        </p:spPr>
-      </p:pic>
-      <p:pic>
-        <p:nvPicPr>
-          <p:cNvPr id="186376" name="Shape 134"/>
-          <p:cNvPicPr preferRelativeResize="0">
-            <a:picLocks noChangeAspect="1" noChangeArrowheads="1"/>
-          </p:cNvPicPr>
-          <p:nvPr/>
-        </p:nvPicPr>
-        <p:blipFill>
-          <a:blip r:embed="rId7">
-            <a:extLst>
-              <a:ext uri="{28A0092B-C50C-407E-A947-70E740481C1C}">
-                <a14:useLocalDpi xmlns:a14="http://schemas.microsoft.com/office/drawing/2010/main" val="0"/>
-              </a:ext>
-            </a:extLst>
-          </a:blip>
-          <a:srcRect/>
-          <a:stretch>
-            <a:fillRect/>
-          </a:stretch>
-        </p:blipFill>
-        <p:spPr bwMode="auto">
-          <a:xfrm>
-            <a:off x="518400" y="4569601"/>
-            <a:ext cx="2927520" cy="462288"/>
-          </a:xfrm>
-          <a:prstGeom prst="rect">
-            <a:avLst/>
-          </a:prstGeom>
-          <a:noFill/>
-          <a:ln>
-            <a:noFill/>
-          </a:ln>
-          <a:extLst>
-            <a:ext uri="{909E8E84-426E-40dd-AFC4-6F175D3DCCD1}">
-              <a14:hiddenFill xmlns:a14="http://schemas.microsoft.com/office/drawing/2010/main">
-                <a:solidFill>
-                  <a:srgbClr val="FFFFFF"/>
-                </a:solidFill>
-              </a14:hiddenFill>
-            </a:ext>
-            <a:ext uri="{91240B29-F687-4f45-9708-019B960494DF}">
-              <a14:hiddenLine xmlns:a14="http://schemas.microsoft.com/office/drawing/2010/main" w="9525">
-                <a:solidFill>
-                  <a:srgbClr val="000000"/>
-                </a:solidFill>
-                <a:miter lim="800000"/>
-                <a:headEnd/>
-                <a:tailEnd/>
-              </a14:hiddenLine>
-            </a:ext>
-          </a:extLst>
-        </p:spPr>
-      </p:pic>
-      <p:pic>
-        <p:nvPicPr>
-          <p:cNvPr id="186377" name="Shape 135"/>
-          <p:cNvPicPr preferRelativeResize="0">
-            <a:picLocks noChangeAspect="1" noChangeArrowheads="1"/>
-          </p:cNvPicPr>
-          <p:nvPr/>
-        </p:nvPicPr>
-        <p:blipFill>
-          <a:blip r:embed="rId8">
-            <a:extLst>
-              <a:ext uri="{28A0092B-C50C-407E-A947-70E740481C1C}">
-                <a14:useLocalDpi xmlns:a14="http://schemas.microsoft.com/office/drawing/2010/main" val="0"/>
-              </a:ext>
-            </a:extLst>
-          </a:blip>
-          <a:srcRect/>
-          <a:stretch>
-            <a:fillRect/>
-          </a:stretch>
-        </p:blipFill>
-        <p:spPr bwMode="auto">
-          <a:xfrm>
-            <a:off x="1340640" y="5612269"/>
-            <a:ext cx="1905120" cy="724396"/>
-          </a:xfrm>
-          <a:prstGeom prst="rect">
-            <a:avLst/>
-          </a:prstGeom>
-          <a:noFill/>
-          <a:ln>
-            <a:noFill/>
-          </a:ln>
-          <a:extLst>
-            <a:ext uri="{909E8E84-426E-40dd-AFC4-6F175D3DCCD1}">
-              <a14:hiddenFill xmlns:a14="http://schemas.microsoft.com/office/drawing/2010/main">
-                <a:solidFill>
-                  <a:srgbClr val="FFFFFF"/>
-                </a:solidFill>
-              </a14:hiddenFill>
-            </a:ext>
-            <a:ext uri="{91240B29-F687-4f45-9708-019B960494DF}">
-              <a14:hiddenLine xmlns:a14="http://schemas.microsoft.com/office/drawing/2010/main" w="9525">
-                <a:solidFill>
-                  <a:srgbClr val="000000"/>
-                </a:solidFill>
-                <a:miter lim="800000"/>
-                <a:headEnd/>
-                <a:tailEnd/>
-              </a14:hiddenLine>
-            </a:ext>
-          </a:extLst>
-        </p:spPr>
-      </p:pic>
-      <p:sp>
-        <p:nvSpPr>
-          <p:cNvPr id="186378" name="Shape 136"/>
-          <p:cNvSpPr txBox="1">
-            <a:spLocks noChangeArrowheads="1"/>
-          </p:cNvSpPr>
-          <p:nvPr/>
-        </p:nvSpPr>
-        <p:spPr bwMode="auto">
-          <a:xfrm>
-            <a:off x="5572800" y="4683372"/>
-            <a:ext cx="184320" cy="368679"/>
-          </a:xfrm>
-          <a:prstGeom prst="rect">
-            <a:avLst/>
-          </a:prstGeom>
-          <a:noFill/>
-          <a:ln>
-            <a:noFill/>
-          </a:ln>
-          <a:extLst>
-            <a:ext uri="{909E8E84-426E-40dd-AFC4-6F175D3DCCD1}">
-              <a14:hiddenFill xmlns:a14="http://schemas.microsoft.com/office/drawing/2010/main">
-                <a:solidFill>
-                  <a:srgbClr val="FFFFFF"/>
-                </a:solidFill>
-              </a14:hiddenFill>
-            </a:ext>
-            <a:ext uri="{91240B29-F687-4f45-9708-019B960494DF}">
-              <a14:hiddenLine xmlns:a14="http://schemas.microsoft.com/office/drawing/2010/main" w="9525">
-                <a:solidFill>
-                  <a:srgbClr val="000000"/>
-                </a:solidFill>
-                <a:miter lim="800000"/>
-                <a:headEnd/>
-                <a:tailEnd/>
-              </a14:hiddenLine>
-            </a:ext>
-          </a:extLst>
-        </p:spPr>
-        <p:txBody>
-          <a:bodyPr lIns="91416" tIns="45695" rIns="91416" bIns="45695"/>
-          <a:lstStyle/>
-          <a:p>
-            <a:endParaRPr lang="en-US"/>
-          </a:p>
-        </p:txBody>
-      </p:sp>
-      <p:pic>
-        <p:nvPicPr>
-          <p:cNvPr id="186379" name="Shape 137"/>
-          <p:cNvPicPr preferRelativeResize="0">
-            <a:picLocks noChangeAspect="1" noChangeArrowheads="1"/>
-          </p:cNvPicPr>
-          <p:nvPr/>
-        </p:nvPicPr>
-        <p:blipFill>
-          <a:blip r:embed="rId9">
-            <a:extLst>
-              <a:ext uri="{28A0092B-C50C-407E-A947-70E740481C1C}">
-                <a14:useLocalDpi xmlns:a14="http://schemas.microsoft.com/office/drawing/2010/main" val="0"/>
-              </a:ext>
-            </a:extLst>
-          </a:blip>
-          <a:srcRect/>
-          <a:stretch>
-            <a:fillRect/>
-          </a:stretch>
-        </p:blipFill>
-        <p:spPr bwMode="auto">
-          <a:xfrm>
-            <a:off x="2293921" y="4949801"/>
-            <a:ext cx="1625760" cy="756079"/>
-          </a:xfrm>
-          <a:prstGeom prst="rect">
-            <a:avLst/>
-          </a:prstGeom>
-          <a:noFill/>
-          <a:ln>
-            <a:noFill/>
-          </a:ln>
-          <a:extLst>
-            <a:ext uri="{909E8E84-426E-40dd-AFC4-6F175D3DCCD1}">
-              <a14:hiddenFill xmlns:a14="http://schemas.microsoft.com/office/drawing/2010/main">
-                <a:solidFill>
-                  <a:srgbClr val="FFFFFF"/>
-                </a:solidFill>
-              </a14:hiddenFill>
-            </a:ext>
-            <a:ext uri="{91240B29-F687-4f45-9708-019B960494DF}">
-              <a14:hiddenLine xmlns:a14="http://schemas.microsoft.com/office/drawing/2010/main" w="9525">
-                <a:solidFill>
-                  <a:srgbClr val="000000"/>
-                </a:solidFill>
-                <a:miter lim="800000"/>
-                <a:headEnd/>
-                <a:tailEnd/>
-              </a14:hiddenLine>
-            </a:ext>
-          </a:extLst>
-        </p:spPr>
-      </p:pic>
-      <p:pic>
-        <p:nvPicPr>
-          <p:cNvPr id="186380" name="Shape 138"/>
-          <p:cNvPicPr preferRelativeResize="0">
-            <a:picLocks noChangeAspect="1" noChangeArrowheads="1"/>
-          </p:cNvPicPr>
-          <p:nvPr/>
-        </p:nvPicPr>
-        <p:blipFill>
-          <a:blip r:embed="rId10">
-            <a:extLst>
-              <a:ext uri="{28A0092B-C50C-407E-A947-70E740481C1C}">
-                <a14:useLocalDpi xmlns:a14="http://schemas.microsoft.com/office/drawing/2010/main" val="0"/>
-              </a:ext>
-            </a:extLst>
-          </a:blip>
-          <a:srcRect/>
-          <a:stretch>
-            <a:fillRect/>
-          </a:stretch>
-        </p:blipFill>
-        <p:spPr bwMode="auto">
-          <a:xfrm>
-            <a:off x="630720" y="5144220"/>
-            <a:ext cx="1274400" cy="537177"/>
-          </a:xfrm>
-          <a:prstGeom prst="rect">
-            <a:avLst/>
-          </a:prstGeom>
-          <a:noFill/>
-          <a:ln>
-            <a:noFill/>
-          </a:ln>
-          <a:extLst>
-            <a:ext uri="{909E8E84-426E-40dd-AFC4-6F175D3DCCD1}">
-              <a14:hiddenFill xmlns:a14="http://schemas.microsoft.com/office/drawing/2010/main">
-                <a:solidFill>
-                  <a:srgbClr val="FFFFFF"/>
-                </a:solidFill>
-              </a14:hiddenFill>
-            </a:ext>
-            <a:ext uri="{91240B29-F687-4f45-9708-019B960494DF}">
-              <a14:hiddenLine xmlns:a14="http://schemas.microsoft.com/office/drawing/2010/main" w="9525">
-                <a:solidFill>
-                  <a:srgbClr val="000000"/>
-                </a:solidFill>
-                <a:miter lim="800000"/>
-                <a:headEnd/>
-                <a:tailEnd/>
-              </a14:hiddenLine>
-            </a:ext>
-          </a:extLst>
-        </p:spPr>
-      </p:pic>
-      <p:cxnSp>
-        <p:nvCxnSpPr>
-          <p:cNvPr id="186381" name="Shape 139"/>
-          <p:cNvCxnSpPr>
-            <a:cxnSpLocks noChangeShapeType="1"/>
-          </p:cNvCxnSpPr>
-          <p:nvPr/>
-        </p:nvCxnSpPr>
-        <p:spPr bwMode="auto">
-          <a:xfrm>
-            <a:off x="1774081" y="4419824"/>
-            <a:ext cx="7233120" cy="0"/>
-          </a:xfrm>
-          <a:prstGeom prst="straightConnector1">
-            <a:avLst/>
-          </a:prstGeom>
-          <a:noFill/>
-          <a:ln w="9525">
-            <a:solidFill>
-              <a:schemeClr val="tx1"/>
-            </a:solidFill>
-            <a:round/>
-            <a:headEnd/>
-            <a:tailEnd/>
-          </a:ln>
-        </p:spPr>
-      </p:cxnSp>
-      <p:pic>
-        <p:nvPicPr>
-          <p:cNvPr id="186382" name="Shape 140"/>
-          <p:cNvPicPr preferRelativeResize="0">
-            <a:picLocks noChangeAspect="1" noChangeArrowheads="1"/>
-          </p:cNvPicPr>
-          <p:nvPr/>
-        </p:nvPicPr>
-        <p:blipFill>
-          <a:blip r:embed="rId11">
-            <a:extLst>
-              <a:ext uri="{28A0092B-C50C-407E-A947-70E740481C1C}">
-                <a14:useLocalDpi xmlns:a14="http://schemas.microsoft.com/office/drawing/2010/main" val="0"/>
-              </a:ext>
-            </a:extLst>
-          </a:blip>
-          <a:srcRect/>
-          <a:stretch>
-            <a:fillRect/>
-          </a:stretch>
-        </p:blipFill>
-        <p:spPr bwMode="auto">
-          <a:xfrm>
-            <a:off x="4366080" y="5786528"/>
-            <a:ext cx="2540160" cy="482451"/>
-          </a:xfrm>
-          <a:prstGeom prst="rect">
-            <a:avLst/>
-          </a:prstGeom>
-          <a:noFill/>
-          <a:ln>
-            <a:noFill/>
-          </a:ln>
-          <a:extLst>
-            <a:ext uri="{909E8E84-426E-40dd-AFC4-6F175D3DCCD1}">
-              <a14:hiddenFill xmlns:a14="http://schemas.microsoft.com/office/drawing/2010/main">
-                <a:solidFill>
-                  <a:srgbClr val="FFFFFF"/>
-                </a:solidFill>
-              </a14:hiddenFill>
-            </a:ext>
-            <a:ext uri="{91240B29-F687-4f45-9708-019B960494DF}">
-              <a14:hiddenLine xmlns:a14="http://schemas.microsoft.com/office/drawing/2010/main" w="9525">
-                <a:solidFill>
-                  <a:srgbClr val="000000"/>
-                </a:solidFill>
-                <a:miter lim="800000"/>
-                <a:headEnd/>
-                <a:tailEnd/>
-              </a14:hiddenLine>
-            </a:ext>
-          </a:extLst>
-        </p:spPr>
-      </p:pic>
-      <p:pic>
-        <p:nvPicPr>
-          <p:cNvPr id="186383" name="Shape 141"/>
-          <p:cNvPicPr preferRelativeResize="0">
-            <a:picLocks noChangeAspect="1" noChangeArrowheads="1"/>
-          </p:cNvPicPr>
-          <p:nvPr/>
-        </p:nvPicPr>
-        <p:blipFill>
-          <a:blip r:embed="rId12">
-            <a:extLst>
-              <a:ext uri="{28A0092B-C50C-407E-A947-70E740481C1C}">
-                <a14:useLocalDpi xmlns:a14="http://schemas.microsoft.com/office/drawing/2010/main" val="0"/>
-              </a:ext>
-            </a:extLst>
-          </a:blip>
-          <a:srcRect/>
-          <a:stretch>
-            <a:fillRect/>
-          </a:stretch>
-        </p:blipFill>
-        <p:spPr bwMode="auto">
-          <a:xfrm>
-            <a:off x="1055520" y="877053"/>
-            <a:ext cx="7032960" cy="3058881"/>
-          </a:xfrm>
-          <a:prstGeom prst="rect">
-            <a:avLst/>
-          </a:prstGeom>
-          <a:noFill/>
-          <a:ln>
-            <a:noFill/>
-          </a:ln>
-          <a:extLst>
-            <a:ext uri="{909E8E84-426E-40dd-AFC4-6F175D3DCCD1}">
-              <a14:hiddenFill xmlns:a14="http://schemas.microsoft.com/office/drawing/2010/main">
-                <a:solidFill>
-                  <a:srgbClr val="FFFFFF"/>
-                </a:solidFill>
-              </a14:hiddenFill>
-            </a:ext>
-            <a:ext uri="{91240B29-F687-4f45-9708-019B960494DF}">
-              <a14:hiddenLine xmlns:a14="http://schemas.microsoft.com/office/drawing/2010/main" w="9525">
-                <a:solidFill>
-                  <a:srgbClr val="000000"/>
-                </a:solidFill>
-                <a:miter lim="800000"/>
-                <a:headEnd/>
-                <a:tailEnd/>
-              </a14:hiddenLine>
-            </a:ext>
-          </a:extLst>
-        </p:spPr>
-      </p:pic>
-    </p:spTree>
-    <p:extLst>
-      <p:ext uri="{BB962C8B-B14F-4D97-AF65-F5344CB8AC3E}">
-        <p14:creationId xmlns:p14="http://schemas.microsoft.com/office/powerpoint/2010/main" val="3781808252"/>
-      </p:ext>
-    </p:extLst>
-  </p:cSld>
-  <p:clrMapOvr>
-    <a:masterClrMapping/>
-  </p:clrMapOvr>
-  <p:transition xmlns:p14="http://schemas.microsoft.com/office/powerpoint/2010/main" spd="slow">
-    <p:cut/>
-  </p:transition>
-  <p:timing>
-    <p:tnLst>
-      <p:par>
-        <p:cTn xmlns:p14="http://schemas.microsoft.com/office/powerpoint/2010/main" id="1" dur="indefinite" restart="never" nodeType="tmRoot"/>
-      </p:par>
-    </p:tnLst>
-  </p:timing>
-</p:sld>
-</file>
-
-<file path=ppt/slides/slide53.xml><?xml version="1.0" encoding="utf-8"?>
 <p:sld xmlns:a="http://schemas.openxmlformats.org/drawingml/2006/main" xmlns:r="http://schemas.openxmlformats.org/officeDocument/2006/relationships" xmlns:p="http://schemas.openxmlformats.org/presentationml/2006/main">
   <p:cSld>
     <p:spTree>
@@ -19348,7 +18566,7 @@
 </p:sld>
 </file>
 
-<file path=ppt/slides/slide54.xml><?xml version="1.0" encoding="utf-8"?>
+<file path=ppt/slides/slide53.xml><?xml version="1.0" encoding="utf-8"?>
 <p:sld xmlns:a="http://schemas.openxmlformats.org/drawingml/2006/main" xmlns:r="http://schemas.openxmlformats.org/officeDocument/2006/relationships" xmlns:p="http://schemas.openxmlformats.org/presentationml/2006/main">
   <p:cSld>
     <p:spTree>
@@ -20409,7 +19627,7 @@
 </p:sld>
 </file>
 
-<file path=ppt/slides/slide55.xml><?xml version="1.0" encoding="utf-8"?>
+<file path=ppt/slides/slide54.xml><?xml version="1.0" encoding="utf-8"?>
 <p:sld xmlns:a="http://schemas.openxmlformats.org/drawingml/2006/main" xmlns:r="http://schemas.openxmlformats.org/officeDocument/2006/relationships" xmlns:p="http://schemas.openxmlformats.org/presentationml/2006/main">
   <p:cSld>
     <p:spTree>
@@ -21052,7 +20270,7 @@
 </p:sld>
 </file>
 
-<file path=ppt/slides/slide56.xml><?xml version="1.0" encoding="utf-8"?>
+<file path=ppt/slides/slide55.xml><?xml version="1.0" encoding="utf-8"?>
 <p:sld xmlns:a="http://schemas.openxmlformats.org/drawingml/2006/main" xmlns:r="http://schemas.openxmlformats.org/officeDocument/2006/relationships" xmlns:p="http://schemas.openxmlformats.org/presentationml/2006/main">
   <p:cSld>
     <p:spTree>
@@ -21137,6 +20355,138 @@
 </p:sld>
 </file>
 
+<file path=ppt/slides/slide56.xml><?xml version="1.0" encoding="utf-8"?>
+<p:sld xmlns:a="http://schemas.openxmlformats.org/drawingml/2006/main" xmlns:r="http://schemas.openxmlformats.org/officeDocument/2006/relationships" xmlns:p="http://schemas.openxmlformats.org/presentationml/2006/main">
+  <p:cSld>
+    <p:spTree>
+      <p:nvGrpSpPr>
+        <p:cNvPr id="1" name=""/>
+        <p:cNvGrpSpPr/>
+        <p:nvPr/>
+      </p:nvGrpSpPr>
+      <p:grpSpPr>
+        <a:xfrm>
+          <a:off x="0" y="0"/>
+          <a:ext cx="0" cy="0"/>
+          <a:chOff x="0" y="0"/>
+          <a:chExt cx="0" cy="0"/>
+        </a:xfrm>
+      </p:grpSpPr>
+      <p:sp>
+        <p:nvSpPr>
+          <p:cNvPr id="4" name="Title 3"/>
+          <p:cNvSpPr>
+            <a:spLocks noGrp="1"/>
+          </p:cNvSpPr>
+          <p:nvPr>
+            <p:ph type="title"/>
+          </p:nvPr>
+        </p:nvSpPr>
+        <p:spPr/>
+        <p:txBody>
+          <a:bodyPr/>
+          <a:lstStyle/>
+          <a:p>
+            <a:r>
+              <a:rPr lang="en-US" dirty="0" smtClean="0"/>
+              <a:t>Rules When Writing a Client</a:t>
+            </a:r>
+            <a:endParaRPr lang="en-US" dirty="0"/>
+          </a:p>
+        </p:txBody>
+      </p:sp>
+      <p:sp>
+        <p:nvSpPr>
+          <p:cNvPr id="5" name="Content Placeholder 4"/>
+          <p:cNvSpPr>
+            <a:spLocks noGrp="1"/>
+          </p:cNvSpPr>
+          <p:nvPr>
+            <p:ph idx="1"/>
+          </p:nvPr>
+        </p:nvSpPr>
+        <p:spPr/>
+        <p:txBody>
+          <a:bodyPr/>
+          <a:lstStyle/>
+          <a:p>
+            <a:r>
+              <a:rPr lang="en-US" dirty="0" smtClean="0"/>
+              <a:t>Choose your most convenient language</a:t>
+            </a:r>
+          </a:p>
+          <a:p>
+            <a:pPr lvl="1"/>
+            <a:r>
+              <a:rPr lang="en-US" dirty="0" smtClean="0"/>
+              <a:t>If you are a Python programmer, use Python</a:t>
+            </a:r>
+          </a:p>
+          <a:p>
+            <a:endParaRPr lang="en-US" dirty="0" smtClean="0"/>
+          </a:p>
+          <a:p>
+            <a:r>
+              <a:rPr lang="en-US" dirty="0" smtClean="0"/>
+              <a:t>Find a good HTTP and JSON library for your language</a:t>
+            </a:r>
+            <a:endParaRPr lang="en-US" dirty="0"/>
+          </a:p>
+          <a:p>
+            <a:endParaRPr lang="en-US" dirty="0"/>
+          </a:p>
+          <a:p>
+            <a:r>
+              <a:rPr lang="en-US" dirty="0" smtClean="0"/>
+              <a:t>Try to limit your requests to 15 per second</a:t>
+            </a:r>
+          </a:p>
+          <a:p>
+            <a:pPr lvl="1"/>
+            <a:r>
+              <a:rPr lang="en-US" dirty="0" smtClean="0"/>
+              <a:t>We will limit you to ~54,000 per hour</a:t>
+            </a:r>
+          </a:p>
+          <a:p>
+            <a:pPr lvl="1"/>
+            <a:r>
+              <a:rPr lang="en-US" dirty="0" smtClean="0"/>
+              <a:t>Basic way is to count &amp; sleep for fractions of seconds</a:t>
+            </a:r>
+          </a:p>
+          <a:p>
+            <a:endParaRPr lang="en-US" dirty="0"/>
+          </a:p>
+          <a:p>
+            <a:r>
+              <a:rPr lang="en-US" dirty="0" smtClean="0"/>
+              <a:t>Create reusable methods for querying</a:t>
+            </a:r>
+          </a:p>
+          <a:p>
+            <a:pPr lvl="1"/>
+            <a:r>
+              <a:rPr lang="en-US" dirty="0" smtClean="0"/>
+              <a:t>It will make things easier</a:t>
+            </a:r>
+            <a:endParaRPr lang="en-US" dirty="0"/>
+          </a:p>
+        </p:txBody>
+      </p:sp>
+    </p:spTree>
+    <p:extLst>
+      <p:ext uri="{BB962C8B-B14F-4D97-AF65-F5344CB8AC3E}">
+        <p14:creationId xmlns:p14="http://schemas.microsoft.com/office/powerpoint/2010/main" val="322348092"/>
+      </p:ext>
+    </p:extLst>
+  </p:cSld>
+  <p:clrMapOvr>
+    <a:masterClrMapping/>
+  </p:clrMapOvr>
+</p:sld>
+</file>
+
 <file path=ppt/slides/slide57.xml><?xml version="1.0" encoding="utf-8"?>
 <p:sld xmlns:a="http://schemas.openxmlformats.org/drawingml/2006/main" xmlns:r="http://schemas.openxmlformats.org/officeDocument/2006/relationships" xmlns:p="http://schemas.openxmlformats.org/presentationml/2006/main">
   <p:cSld>
@@ -21171,138 +20521,6 @@
           <a:p>
             <a:r>
               <a:rPr lang="en-US" dirty="0" smtClean="0"/>
-              <a:t>Rules When Writing a Client</a:t>
-            </a:r>
-            <a:endParaRPr lang="en-US" dirty="0"/>
-          </a:p>
-        </p:txBody>
-      </p:sp>
-      <p:sp>
-        <p:nvSpPr>
-          <p:cNvPr id="5" name="Content Placeholder 4"/>
-          <p:cNvSpPr>
-            <a:spLocks noGrp="1"/>
-          </p:cNvSpPr>
-          <p:nvPr>
-            <p:ph idx="1"/>
-          </p:nvPr>
-        </p:nvSpPr>
-        <p:spPr/>
-        <p:txBody>
-          <a:bodyPr/>
-          <a:lstStyle/>
-          <a:p>
-            <a:r>
-              <a:rPr lang="en-US" dirty="0" smtClean="0"/>
-              <a:t>Choose your most convenient language</a:t>
-            </a:r>
-          </a:p>
-          <a:p>
-            <a:pPr lvl="1"/>
-            <a:r>
-              <a:rPr lang="en-US" dirty="0" smtClean="0"/>
-              <a:t>If you are a Python programmer, use Python</a:t>
-            </a:r>
-          </a:p>
-          <a:p>
-            <a:endParaRPr lang="en-US" dirty="0" smtClean="0"/>
-          </a:p>
-          <a:p>
-            <a:r>
-              <a:rPr lang="en-US" dirty="0" smtClean="0"/>
-              <a:t>Find a good HTTP and JSON library for your language</a:t>
-            </a:r>
-            <a:endParaRPr lang="en-US" dirty="0"/>
-          </a:p>
-          <a:p>
-            <a:endParaRPr lang="en-US" dirty="0"/>
-          </a:p>
-          <a:p>
-            <a:r>
-              <a:rPr lang="en-US" dirty="0" smtClean="0"/>
-              <a:t>Try to limit your requests to 15 per second</a:t>
-            </a:r>
-          </a:p>
-          <a:p>
-            <a:pPr lvl="1"/>
-            <a:r>
-              <a:rPr lang="en-US" dirty="0" smtClean="0"/>
-              <a:t>We will limit you to ~54,000 per hour</a:t>
-            </a:r>
-          </a:p>
-          <a:p>
-            <a:pPr lvl="1"/>
-            <a:r>
-              <a:rPr lang="en-US" dirty="0" smtClean="0"/>
-              <a:t>Basic way is to count &amp; sleep for fractions of seconds</a:t>
-            </a:r>
-          </a:p>
-          <a:p>
-            <a:endParaRPr lang="en-US" dirty="0"/>
-          </a:p>
-          <a:p>
-            <a:r>
-              <a:rPr lang="en-US" dirty="0" smtClean="0"/>
-              <a:t>Create reusable methods for querying</a:t>
-            </a:r>
-          </a:p>
-          <a:p>
-            <a:pPr lvl="1"/>
-            <a:r>
-              <a:rPr lang="en-US" dirty="0" smtClean="0"/>
-              <a:t>It will make things easier</a:t>
-            </a:r>
-            <a:endParaRPr lang="en-US" dirty="0"/>
-          </a:p>
-        </p:txBody>
-      </p:sp>
-    </p:spTree>
-    <p:extLst>
-      <p:ext uri="{BB962C8B-B14F-4D97-AF65-F5344CB8AC3E}">
-        <p14:creationId xmlns:p14="http://schemas.microsoft.com/office/powerpoint/2010/main" val="322348092"/>
-      </p:ext>
-    </p:extLst>
-  </p:cSld>
-  <p:clrMapOvr>
-    <a:masterClrMapping/>
-  </p:clrMapOvr>
-</p:sld>
-</file>
-
-<file path=ppt/slides/slide58.xml><?xml version="1.0" encoding="utf-8"?>
-<p:sld xmlns:a="http://schemas.openxmlformats.org/drawingml/2006/main" xmlns:r="http://schemas.openxmlformats.org/officeDocument/2006/relationships" xmlns:p="http://schemas.openxmlformats.org/presentationml/2006/main">
-  <p:cSld>
-    <p:spTree>
-      <p:nvGrpSpPr>
-        <p:cNvPr id="1" name=""/>
-        <p:cNvGrpSpPr/>
-        <p:nvPr/>
-      </p:nvGrpSpPr>
-      <p:grpSpPr>
-        <a:xfrm>
-          <a:off x="0" y="0"/>
-          <a:ext cx="0" cy="0"/>
-          <a:chOff x="0" y="0"/>
-          <a:chExt cx="0" cy="0"/>
-        </a:xfrm>
-      </p:grpSpPr>
-      <p:sp>
-        <p:nvSpPr>
-          <p:cNvPr id="4" name="Title 3"/>
-          <p:cNvSpPr>
-            <a:spLocks noGrp="1"/>
-          </p:cNvSpPr>
-          <p:nvPr>
-            <p:ph type="title"/>
-          </p:nvPr>
-        </p:nvSpPr>
-        <p:spPr/>
-        <p:txBody>
-          <a:bodyPr/>
-          <a:lstStyle/>
-          <a:p>
-            <a:r>
-              <a:rPr lang="en-US" dirty="0" smtClean="0"/>
               <a:t>Pre-Written REST Clients</a:t>
             </a:r>
             <a:endParaRPr lang="en-US" dirty="0"/>
@@ -21505,7 +20723,7 @@
 </p:sld>
 </file>
 
-<file path=ppt/slides/slide59.xml><?xml version="1.0" encoding="utf-8"?>
+<file path=ppt/slides/slide58.xml><?xml version="1.0" encoding="utf-8"?>
 <p:sld xmlns:a="http://schemas.openxmlformats.org/drawingml/2006/main" xmlns:r="http://schemas.openxmlformats.org/officeDocument/2006/relationships" xmlns:p="http://schemas.openxmlformats.org/presentationml/2006/main">
   <p:cSld>
     <p:spTree>
@@ -22048,245 +21266,7 @@
 </p:sld>
 </file>
 
-<file path=ppt/slides/slide6.xml><?xml version="1.0" encoding="utf-8"?>
-<p:sld xmlns:a="http://schemas.openxmlformats.org/drawingml/2006/main" xmlns:r="http://schemas.openxmlformats.org/officeDocument/2006/relationships" xmlns:p="http://schemas.openxmlformats.org/presentationml/2006/main">
-  <p:cSld>
-    <p:spTree>
-      <p:nvGrpSpPr>
-        <p:cNvPr id="1" name=""/>
-        <p:cNvGrpSpPr/>
-        <p:nvPr/>
-      </p:nvGrpSpPr>
-      <p:grpSpPr>
-        <a:xfrm>
-          <a:off x="0" y="0"/>
-          <a:ext cx="0" cy="0"/>
-          <a:chOff x="0" y="0"/>
-          <a:chExt cx="0" cy="0"/>
-        </a:xfrm>
-      </p:grpSpPr>
-      <p:sp>
-        <p:nvSpPr>
-          <p:cNvPr id="2" name="Title 1"/>
-          <p:cNvSpPr>
-            <a:spLocks noGrp="1"/>
-          </p:cNvSpPr>
-          <p:nvPr>
-            <p:ph type="title"/>
-          </p:nvPr>
-        </p:nvSpPr>
-        <p:spPr/>
-        <p:txBody>
-          <a:bodyPr/>
-          <a:lstStyle/>
-          <a:p>
-            <a:r>
-              <a:rPr lang="en-US" dirty="0" smtClean="0"/>
-              <a:t>What Is A REST API</a:t>
-            </a:r>
-            <a:endParaRPr lang="en-US" dirty="0"/>
-          </a:p>
-        </p:txBody>
-      </p:sp>
-      <p:sp>
-        <p:nvSpPr>
-          <p:cNvPr id="3" name="Content Placeholder 2"/>
-          <p:cNvSpPr>
-            <a:spLocks noGrp="1"/>
-          </p:cNvSpPr>
-          <p:nvPr>
-            <p:ph idx="1"/>
-          </p:nvPr>
-        </p:nvSpPr>
-        <p:spPr/>
-        <p:txBody>
-          <a:bodyPr/>
-          <a:lstStyle/>
-          <a:p>
-            <a:r>
-              <a:rPr lang="en-US" b="1" dirty="0" err="1" smtClean="0"/>
-              <a:t>RE</a:t>
-            </a:r>
-            <a:r>
-              <a:rPr lang="en-US" dirty="0" err="1" smtClean="0"/>
-              <a:t>presentational</a:t>
-            </a:r>
-            <a:r>
-              <a:rPr lang="en-US" dirty="0" smtClean="0"/>
-              <a:t> </a:t>
-            </a:r>
-            <a:r>
-              <a:rPr lang="en-US" b="1" dirty="0"/>
-              <a:t>S</a:t>
-            </a:r>
-            <a:r>
-              <a:rPr lang="en-US" dirty="0"/>
-              <a:t>tate </a:t>
-            </a:r>
-            <a:r>
-              <a:rPr lang="en-US" b="1" dirty="0"/>
-              <a:t>T</a:t>
-            </a:r>
-            <a:r>
-              <a:rPr lang="en-US" dirty="0"/>
-              <a:t>ransfer</a:t>
-            </a:r>
-          </a:p>
-          <a:p>
-            <a:endParaRPr lang="en-US" dirty="0" smtClean="0"/>
-          </a:p>
-          <a:p>
-            <a:r>
-              <a:rPr lang="en-US" dirty="0" smtClean="0"/>
-              <a:t>Simple APIs with very few external dependencies</a:t>
-            </a:r>
-          </a:p>
-          <a:p>
-            <a:endParaRPr lang="en-US" dirty="0"/>
-          </a:p>
-          <a:p>
-            <a:r>
-              <a:rPr lang="en-US" dirty="0" smtClean="0"/>
-              <a:t>Can use the web (HTTP) to communicate</a:t>
-            </a:r>
-          </a:p>
-          <a:p>
-            <a:endParaRPr lang="en-US" dirty="0"/>
-          </a:p>
-          <a:p>
-            <a:r>
-              <a:rPr lang="en-US" dirty="0" smtClean="0"/>
-              <a:t>Can be queried by</a:t>
-            </a:r>
-          </a:p>
-          <a:p>
-            <a:pPr lvl="1"/>
-            <a:r>
-              <a:rPr lang="en-US" dirty="0" smtClean="0"/>
-              <a:t>Web browsers</a:t>
-            </a:r>
-          </a:p>
-          <a:p>
-            <a:pPr lvl="1"/>
-            <a:r>
-              <a:rPr lang="en-US" dirty="0" smtClean="0"/>
-              <a:t>Command line tools</a:t>
-            </a:r>
-          </a:p>
-          <a:p>
-            <a:pPr lvl="1"/>
-            <a:r>
-              <a:rPr lang="en-US" dirty="0" smtClean="0"/>
-              <a:t>Programming languages</a:t>
-            </a:r>
-            <a:endParaRPr lang="en-US" dirty="0"/>
-          </a:p>
-        </p:txBody>
-      </p:sp>
-      <p:pic>
-        <p:nvPicPr>
-          <p:cNvPr id="4" name="Picture 3" descr="images.jpg"/>
-          <p:cNvPicPr>
-            <a:picLocks noChangeAspect="1"/>
-          </p:cNvPicPr>
-          <p:nvPr/>
-        </p:nvPicPr>
-        <p:blipFill>
-          <a:blip r:embed="rId2">
-            <a:extLst>
-              <a:ext uri="{28A0092B-C50C-407E-A947-70E740481C1C}">
-                <a14:useLocalDpi xmlns:a14="http://schemas.microsoft.com/office/drawing/2010/main" val="0"/>
-              </a:ext>
-            </a:extLst>
-          </a:blip>
-          <a:stretch>
-            <a:fillRect/>
-          </a:stretch>
-        </p:blipFill>
-        <p:spPr>
-          <a:xfrm>
-            <a:off x="7298290" y="4524030"/>
-            <a:ext cx="1257603" cy="1252014"/>
-          </a:xfrm>
-          <a:prstGeom prst="rect">
-            <a:avLst/>
-          </a:prstGeom>
-          <a:ln>
-            <a:noFill/>
-          </a:ln>
-          <a:effectLst>
-            <a:outerShdw blurRad="292100" dist="139700" dir="2700000" algn="tl" rotWithShape="0">
-              <a:srgbClr val="333333">
-                <a:alpha val="65000"/>
-              </a:srgbClr>
-            </a:outerShdw>
-          </a:effectLst>
-        </p:spPr>
-      </p:pic>
-      <p:pic>
-        <p:nvPicPr>
-          <p:cNvPr id="6" name="Picture 5" descr="url.jpg"/>
-          <p:cNvPicPr>
-            <a:picLocks noChangeAspect="1"/>
-          </p:cNvPicPr>
-          <p:nvPr/>
-        </p:nvPicPr>
-        <p:blipFill>
-          <a:blip r:embed="rId3">
-            <a:extLst>
-              <a:ext uri="{28A0092B-C50C-407E-A947-70E740481C1C}">
-                <a14:useLocalDpi xmlns:a14="http://schemas.microsoft.com/office/drawing/2010/main" val="0"/>
-              </a:ext>
-            </a:extLst>
-          </a:blip>
-          <a:stretch>
-            <a:fillRect/>
-          </a:stretch>
-        </p:blipFill>
-        <p:spPr>
-          <a:xfrm>
-            <a:off x="4212862" y="4060960"/>
-            <a:ext cx="2866338" cy="962853"/>
-          </a:xfrm>
-          <a:prstGeom prst="roundRect">
-            <a:avLst>
-              <a:gd name="adj" fmla="val 8594"/>
-            </a:avLst>
-          </a:prstGeom>
-          <a:solidFill>
-            <a:srgbClr val="FFFFFF">
-              <a:shade val="85000"/>
-            </a:srgbClr>
-          </a:solidFill>
-          <a:ln>
-            <a:noFill/>
-          </a:ln>
-          <a:effectLst>
-            <a:reflection blurRad="12700" stA="38000" endPos="28000" dist="5000" dir="5400000" sy="-100000" algn="bl" rotWithShape="0"/>
-          </a:effectLst>
-        </p:spPr>
-      </p:pic>
-    </p:spTree>
-    <p:extLst>
-      <p:ext uri="{BB962C8B-B14F-4D97-AF65-F5344CB8AC3E}">
-        <p14:creationId xmlns:p14="http://schemas.microsoft.com/office/powerpoint/2010/main" val="1579477409"/>
-      </p:ext>
-    </p:extLst>
-  </p:cSld>
-  <p:clrMapOvr>
-    <a:masterClrMapping/>
-  </p:clrMapOvr>
-  <p:timing>
-    <p:tnLst>
-      <p:par>
-        <p:cTn xmlns:p14="http://schemas.microsoft.com/office/powerpoint/2010/main" id="1" dur="indefinite" restart="never" nodeType="tmRoot"/>
-      </p:par>
-    </p:tnLst>
-  </p:timing>
-</p:sld>
-</file>
-
-<file path=ppt/slides/slide60.xml><?xml version="1.0" encoding="utf-8"?>
+<file path=ppt/slides/slide59.xml><?xml version="1.0" encoding="utf-8"?>
 <p:sld xmlns:a="http://schemas.openxmlformats.org/drawingml/2006/main" xmlns:r="http://schemas.openxmlformats.org/officeDocument/2006/relationships" xmlns:p="http://schemas.openxmlformats.org/presentationml/2006/main">
   <p:cSld>
     <p:spTree>
@@ -23238,7 +22218,245 @@
 </p:sld>
 </file>
 
-<file path=ppt/slides/slide61.xml><?xml version="1.0" encoding="utf-8"?>
+<file path=ppt/slides/slide6.xml><?xml version="1.0" encoding="utf-8"?>
+<p:sld xmlns:a="http://schemas.openxmlformats.org/drawingml/2006/main" xmlns:r="http://schemas.openxmlformats.org/officeDocument/2006/relationships" xmlns:p="http://schemas.openxmlformats.org/presentationml/2006/main">
+  <p:cSld>
+    <p:spTree>
+      <p:nvGrpSpPr>
+        <p:cNvPr id="1" name=""/>
+        <p:cNvGrpSpPr/>
+        <p:nvPr/>
+      </p:nvGrpSpPr>
+      <p:grpSpPr>
+        <a:xfrm>
+          <a:off x="0" y="0"/>
+          <a:ext cx="0" cy="0"/>
+          <a:chOff x="0" y="0"/>
+          <a:chExt cx="0" cy="0"/>
+        </a:xfrm>
+      </p:grpSpPr>
+      <p:sp>
+        <p:nvSpPr>
+          <p:cNvPr id="2" name="Title 1"/>
+          <p:cNvSpPr>
+            <a:spLocks noGrp="1"/>
+          </p:cNvSpPr>
+          <p:nvPr>
+            <p:ph type="title"/>
+          </p:nvPr>
+        </p:nvSpPr>
+        <p:spPr/>
+        <p:txBody>
+          <a:bodyPr/>
+          <a:lstStyle/>
+          <a:p>
+            <a:r>
+              <a:rPr lang="en-US" dirty="0" smtClean="0"/>
+              <a:t>What Is A REST API</a:t>
+            </a:r>
+            <a:endParaRPr lang="en-US" dirty="0"/>
+          </a:p>
+        </p:txBody>
+      </p:sp>
+      <p:sp>
+        <p:nvSpPr>
+          <p:cNvPr id="3" name="Content Placeholder 2"/>
+          <p:cNvSpPr>
+            <a:spLocks noGrp="1"/>
+          </p:cNvSpPr>
+          <p:nvPr>
+            <p:ph idx="1"/>
+          </p:nvPr>
+        </p:nvSpPr>
+        <p:spPr/>
+        <p:txBody>
+          <a:bodyPr/>
+          <a:lstStyle/>
+          <a:p>
+            <a:r>
+              <a:rPr lang="en-US" b="1" dirty="0" err="1" smtClean="0"/>
+              <a:t>RE</a:t>
+            </a:r>
+            <a:r>
+              <a:rPr lang="en-US" dirty="0" err="1" smtClean="0"/>
+              <a:t>presentational</a:t>
+            </a:r>
+            <a:r>
+              <a:rPr lang="en-US" dirty="0" smtClean="0"/>
+              <a:t> </a:t>
+            </a:r>
+            <a:r>
+              <a:rPr lang="en-US" b="1" dirty="0"/>
+              <a:t>S</a:t>
+            </a:r>
+            <a:r>
+              <a:rPr lang="en-US" dirty="0"/>
+              <a:t>tate </a:t>
+            </a:r>
+            <a:r>
+              <a:rPr lang="en-US" b="1" dirty="0"/>
+              <a:t>T</a:t>
+            </a:r>
+            <a:r>
+              <a:rPr lang="en-US" dirty="0"/>
+              <a:t>ransfer</a:t>
+            </a:r>
+          </a:p>
+          <a:p>
+            <a:endParaRPr lang="en-US" dirty="0" smtClean="0"/>
+          </a:p>
+          <a:p>
+            <a:r>
+              <a:rPr lang="en-US" dirty="0" smtClean="0"/>
+              <a:t>Simple APIs with very few external dependencies</a:t>
+            </a:r>
+          </a:p>
+          <a:p>
+            <a:endParaRPr lang="en-US" dirty="0"/>
+          </a:p>
+          <a:p>
+            <a:r>
+              <a:rPr lang="en-US" dirty="0" smtClean="0"/>
+              <a:t>Can use the web (HTTP) to communicate</a:t>
+            </a:r>
+          </a:p>
+          <a:p>
+            <a:endParaRPr lang="en-US" dirty="0"/>
+          </a:p>
+          <a:p>
+            <a:r>
+              <a:rPr lang="en-US" dirty="0" smtClean="0"/>
+              <a:t>Can be queried by</a:t>
+            </a:r>
+          </a:p>
+          <a:p>
+            <a:pPr lvl="1"/>
+            <a:r>
+              <a:rPr lang="en-US" dirty="0" smtClean="0"/>
+              <a:t>Web browsers</a:t>
+            </a:r>
+          </a:p>
+          <a:p>
+            <a:pPr lvl="1"/>
+            <a:r>
+              <a:rPr lang="en-US" dirty="0" smtClean="0"/>
+              <a:t>Command line tools</a:t>
+            </a:r>
+          </a:p>
+          <a:p>
+            <a:pPr lvl="1"/>
+            <a:r>
+              <a:rPr lang="en-US" dirty="0" smtClean="0"/>
+              <a:t>Programming languages</a:t>
+            </a:r>
+            <a:endParaRPr lang="en-US" dirty="0"/>
+          </a:p>
+        </p:txBody>
+      </p:sp>
+      <p:pic>
+        <p:nvPicPr>
+          <p:cNvPr id="4" name="Picture 3" descr="images.jpg"/>
+          <p:cNvPicPr>
+            <a:picLocks noChangeAspect="1"/>
+          </p:cNvPicPr>
+          <p:nvPr/>
+        </p:nvPicPr>
+        <p:blipFill>
+          <a:blip r:embed="rId2">
+            <a:extLst>
+              <a:ext uri="{28A0092B-C50C-407E-A947-70E740481C1C}">
+                <a14:useLocalDpi xmlns:a14="http://schemas.microsoft.com/office/drawing/2010/main" val="0"/>
+              </a:ext>
+            </a:extLst>
+          </a:blip>
+          <a:stretch>
+            <a:fillRect/>
+          </a:stretch>
+        </p:blipFill>
+        <p:spPr>
+          <a:xfrm>
+            <a:off x="7298290" y="4524030"/>
+            <a:ext cx="1257603" cy="1252014"/>
+          </a:xfrm>
+          <a:prstGeom prst="rect">
+            <a:avLst/>
+          </a:prstGeom>
+          <a:ln>
+            <a:noFill/>
+          </a:ln>
+          <a:effectLst>
+            <a:outerShdw blurRad="292100" dist="139700" dir="2700000" algn="tl" rotWithShape="0">
+              <a:srgbClr val="333333">
+                <a:alpha val="65000"/>
+              </a:srgbClr>
+            </a:outerShdw>
+          </a:effectLst>
+        </p:spPr>
+      </p:pic>
+      <p:pic>
+        <p:nvPicPr>
+          <p:cNvPr id="6" name="Picture 5" descr="url.jpg"/>
+          <p:cNvPicPr>
+            <a:picLocks noChangeAspect="1"/>
+          </p:cNvPicPr>
+          <p:nvPr/>
+        </p:nvPicPr>
+        <p:blipFill>
+          <a:blip r:embed="rId3">
+            <a:extLst>
+              <a:ext uri="{28A0092B-C50C-407E-A947-70E740481C1C}">
+                <a14:useLocalDpi xmlns:a14="http://schemas.microsoft.com/office/drawing/2010/main" val="0"/>
+              </a:ext>
+            </a:extLst>
+          </a:blip>
+          <a:stretch>
+            <a:fillRect/>
+          </a:stretch>
+        </p:blipFill>
+        <p:spPr>
+          <a:xfrm>
+            <a:off x="4212862" y="4060960"/>
+            <a:ext cx="2866338" cy="962853"/>
+          </a:xfrm>
+          <a:prstGeom prst="roundRect">
+            <a:avLst>
+              <a:gd name="adj" fmla="val 8594"/>
+            </a:avLst>
+          </a:prstGeom>
+          <a:solidFill>
+            <a:srgbClr val="FFFFFF">
+              <a:shade val="85000"/>
+            </a:srgbClr>
+          </a:solidFill>
+          <a:ln>
+            <a:noFill/>
+          </a:ln>
+          <a:effectLst>
+            <a:reflection blurRad="12700" stA="38000" endPos="28000" dist="5000" dir="5400000" sy="-100000" algn="bl" rotWithShape="0"/>
+          </a:effectLst>
+        </p:spPr>
+      </p:pic>
+    </p:spTree>
+    <p:extLst>
+      <p:ext uri="{BB962C8B-B14F-4D97-AF65-F5344CB8AC3E}">
+        <p14:creationId xmlns:p14="http://schemas.microsoft.com/office/powerpoint/2010/main" val="1579477409"/>
+      </p:ext>
+    </p:extLst>
+  </p:cSld>
+  <p:clrMapOvr>
+    <a:masterClrMapping/>
+  </p:clrMapOvr>
+  <p:timing>
+    <p:tnLst>
+      <p:par>
+        <p:cTn xmlns:p14="http://schemas.microsoft.com/office/powerpoint/2010/main" id="1" dur="indefinite" restart="never" nodeType="tmRoot"/>
+      </p:par>
+    </p:tnLst>
+  </p:timing>
+</p:sld>
+</file>
+
+<file path=ppt/slides/slide60.xml><?xml version="1.0" encoding="utf-8"?>
 <p:sld xmlns:a="http://schemas.openxmlformats.org/drawingml/2006/main" xmlns:r="http://schemas.openxmlformats.org/officeDocument/2006/relationships" xmlns:p="http://schemas.openxmlformats.org/presentationml/2006/main">
   <p:cSld>
     <p:spTree>
@@ -24016,7 +23234,7 @@
 </p:sld>
 </file>
 
-<file path=ppt/slides/slide62.xml><?xml version="1.0" encoding="utf-8"?>
+<file path=ppt/slides/slide61.xml><?xml version="1.0" encoding="utf-8"?>
 <p:sld xmlns:a="http://schemas.openxmlformats.org/drawingml/2006/main" xmlns:r="http://schemas.openxmlformats.org/officeDocument/2006/relationships" xmlns:p="http://schemas.openxmlformats.org/presentationml/2006/main">
   <p:cSld>
     <p:spTree>
@@ -24691,7 +23909,7 @@
 </p:sld>
 </file>
 
-<file path=ppt/slides/slide63.xml><?xml version="1.0" encoding="utf-8"?>
+<file path=ppt/slides/slide62.xml><?xml version="1.0" encoding="utf-8"?>
 <p:sld xmlns:a="http://schemas.openxmlformats.org/drawingml/2006/main" xmlns:r="http://schemas.openxmlformats.org/officeDocument/2006/relationships" xmlns:p="http://schemas.openxmlformats.org/presentationml/2006/main">
   <p:cSld>
     <p:spTree>

--- a/API/REST/REST_bitesized.pptx
+++ b/API/REST/REST_bitesized.pptx
@@ -5,7 +5,7 @@
     <p:sldMasterId id="2147483660" r:id="rId1"/>
   </p:sldMasterIdLst>
   <p:notesMasterIdLst>
-    <p:notesMasterId r:id="rId64"/>
+    <p:notesMasterId r:id="rId66"/>
   </p:notesMasterIdLst>
   <p:sldIdLst>
     <p:sldId id="257" r:id="rId2"/>
@@ -59,17 +59,19 @@
     <p:sldId id="348" r:id="rId50"/>
     <p:sldId id="346" r:id="rId51"/>
     <p:sldId id="349" r:id="rId52"/>
-    <p:sldId id="350" r:id="rId53"/>
-    <p:sldId id="287" r:id="rId54"/>
-    <p:sldId id="300" r:id="rId55"/>
-    <p:sldId id="295" r:id="rId56"/>
-    <p:sldId id="301" r:id="rId57"/>
-    <p:sldId id="302" r:id="rId58"/>
-    <p:sldId id="273" r:id="rId59"/>
-    <p:sldId id="282" r:id="rId60"/>
-    <p:sldId id="289" r:id="rId61"/>
-    <p:sldId id="290" r:id="rId62"/>
-    <p:sldId id="305" r:id="rId63"/>
+    <p:sldId id="352" r:id="rId53"/>
+    <p:sldId id="353" r:id="rId54"/>
+    <p:sldId id="350" r:id="rId55"/>
+    <p:sldId id="287" r:id="rId56"/>
+    <p:sldId id="300" r:id="rId57"/>
+    <p:sldId id="295" r:id="rId58"/>
+    <p:sldId id="301" r:id="rId59"/>
+    <p:sldId id="302" r:id="rId60"/>
+    <p:sldId id="273" r:id="rId61"/>
+    <p:sldId id="282" r:id="rId62"/>
+    <p:sldId id="289" r:id="rId63"/>
+    <p:sldId id="290" r:id="rId64"/>
+    <p:sldId id="305" r:id="rId65"/>
   </p:sldIdLst>
   <p:sldSz cx="9144000" cy="6858000" type="screen4x3"/>
   <p:notesSz cx="6858000" cy="9144000"/>
@@ -4154,7 +4156,7 @@
                 <a:latin typeface="Calibri"/>
               </a:rPr>
               <a:pPr/>
-              <a:t>52</a:t>
+              <a:t>54</a:t>
             </a:fld>
             <a:endParaRPr lang="en-US">
               <a:solidFill>
@@ -13148,7 +13150,7 @@
           <a:p>
             <a:r>
               <a:rPr lang="en-US" dirty="0" smtClean="0"/>
-              <a:t>Documentation and Help</a:t>
+              <a:t>Presentation</a:t>
             </a:r>
             <a:endParaRPr lang="en-US" dirty="0"/>
           </a:p>
@@ -13186,254 +13188,70 @@
               </a:rPr>
               <a:t>/</a:t>
             </a:r>
-          </a:p>
-          <a:p>
-            <a:pPr lvl="1"/>
-            <a:r>
-              <a:rPr lang="en-US" dirty="0" smtClean="0"/>
-              <a:t>This presentation</a:t>
-            </a:r>
-            <a:endParaRPr lang="en-US" dirty="0">
-              <a:hlinkClick r:id="rId2"/>
-            </a:endParaRPr>
-          </a:p>
-          <a:p>
-            <a:r>
-              <a:rPr lang="en-US" sz="2400" dirty="0" smtClean="0">
-                <a:hlinkClick r:id="rId2"/>
-              </a:rPr>
-              <a:t>https</a:t>
-            </a:r>
-            <a:r>
-              <a:rPr lang="en-US" sz="2400" dirty="0">
-                <a:hlinkClick r:id="rId2"/>
-              </a:rPr>
-              <a:t>://github.com/Ensembl/ensembl-rest/</a:t>
-            </a:r>
-            <a:r>
-              <a:rPr lang="en-US" sz="2400" dirty="0" smtClean="0">
-                <a:hlinkClick r:id="rId2"/>
-              </a:rPr>
-              <a:t>wiki</a:t>
-            </a:r>
             <a:endParaRPr lang="en-US" sz="2400" dirty="0" smtClean="0"/>
           </a:p>
           <a:p>
-            <a:pPr lvl="1"/>
-            <a:r>
-              <a:rPr lang="en-US" dirty="0" smtClean="0"/>
-              <a:t>How to write your first client</a:t>
-            </a:r>
-          </a:p>
-          <a:p>
-            <a:pPr lvl="1"/>
-            <a:r>
-              <a:rPr lang="en-US" dirty="0" smtClean="0"/>
-              <a:t>How to write POST requests</a:t>
-            </a:r>
-          </a:p>
-          <a:p>
-            <a:pPr>
-              <a:spcBef>
-                <a:spcPts val="550"/>
-              </a:spcBef>
-              <a:buFont typeface="Times New Roman" charset="0"/>
-              <a:buChar char="•"/>
-              <a:defRPr/>
-            </a:pPr>
-            <a:r>
-              <a:rPr lang="en-US" sz="2400" dirty="0" err="1">
-                <a:solidFill>
-                  <a:srgbClr val="000080"/>
-                </a:solidFill>
-              </a:rPr>
-              <a:t>dev@ensembl.org</a:t>
-            </a:r>
-            <a:r>
-              <a:rPr lang="en-US" sz="2400" dirty="0">
-                <a:solidFill>
-                  <a:srgbClr val="000080"/>
-                </a:solidFill>
-              </a:rPr>
-              <a:t> mailing list:</a:t>
-            </a:r>
-          </a:p>
-          <a:p>
-            <a:pPr>
-              <a:spcBef>
-                <a:spcPts val="500"/>
-              </a:spcBef>
-              <a:buClrTx/>
-              <a:buFontTx/>
-              <a:buNone/>
-              <a:defRPr/>
-            </a:pPr>
-            <a:r>
-              <a:rPr lang="en-US" sz="2400" dirty="0">
-                <a:solidFill>
-                  <a:srgbClr val="000080"/>
-                </a:solidFill>
-              </a:rPr>
-              <a:t> 	</a:t>
-            </a:r>
-            <a:r>
-              <a:rPr lang="en-US" sz="2000" dirty="0">
-                <a:solidFill>
-                  <a:srgbClr val="004A4A"/>
-                </a:solidFill>
-              </a:rPr>
-              <a:t>http://</a:t>
-            </a:r>
-            <a:r>
-              <a:rPr lang="en-US" sz="2000" dirty="0" err="1">
-                <a:solidFill>
-                  <a:srgbClr val="004A4A"/>
-                </a:solidFill>
-              </a:rPr>
-              <a:t>www.ensembl.org</a:t>
-            </a:r>
-            <a:r>
-              <a:rPr lang="en-US" sz="2000" dirty="0">
-                <a:solidFill>
-                  <a:srgbClr val="004A4A"/>
-                </a:solidFill>
-              </a:rPr>
-              <a:t>/info/about/contact/</a:t>
-            </a:r>
-            <a:r>
-              <a:rPr lang="en-US" sz="2000" dirty="0" err="1">
-                <a:solidFill>
-                  <a:srgbClr val="004A4A"/>
-                </a:solidFill>
-              </a:rPr>
-              <a:t>mailing.html</a:t>
-            </a:r>
-            <a:endParaRPr lang="en-US" sz="2000" dirty="0">
+            <a:endParaRPr lang="en-US" sz="2400" dirty="0">
               <a:solidFill>
                 <a:srgbClr val="004A4A"/>
               </a:solidFill>
             </a:endParaRPr>
           </a:p>
           <a:p>
-            <a:pPr>
-              <a:spcBef>
-                <a:spcPts val="500"/>
-              </a:spcBef>
-              <a:buClrTx/>
-              <a:buFontTx/>
-              <a:buNone/>
-              <a:defRPr/>
-            </a:pPr>
-            <a:r>
-              <a:rPr lang="en-US" sz="2000" dirty="0">
+            <a:pPr lvl="1"/>
+            <a:r>
+              <a:rPr lang="en-US" sz="1800" dirty="0">
                 <a:solidFill>
                   <a:srgbClr val="004A4A"/>
                 </a:solidFill>
+                <a:hlinkClick r:id="rId3"/>
               </a:rPr>
-              <a:t>	searchable mailing list archive: </a:t>
-            </a:r>
-          </a:p>
-          <a:p>
-            <a:pPr>
-              <a:spcBef>
-                <a:spcPts val="500"/>
-              </a:spcBef>
-              <a:buClrTx/>
-              <a:buFontTx/>
-              <a:buNone/>
-              <a:defRPr/>
-            </a:pPr>
-            <a:r>
-              <a:rPr lang="en-US" sz="2000" dirty="0">
+              <a:t>https://github.com/Ensembl/ensembl-presentation/blob/master/API/REST/REST_bitesized.pptx?raw=</a:t>
+            </a:r>
+            <a:r>
+              <a:rPr lang="en-US" sz="1800" dirty="0" smtClean="0">
                 <a:solidFill>
                   <a:srgbClr val="004A4A"/>
                 </a:solidFill>
+                <a:hlinkClick r:id="rId3"/>
               </a:rPr>
-              <a:t>	http://</a:t>
-            </a:r>
-            <a:r>
-              <a:rPr lang="en-US" sz="2000" dirty="0" err="1">
-                <a:solidFill>
-                  <a:srgbClr val="004A4A"/>
-                </a:solidFill>
-              </a:rPr>
-              <a:t>blog.gmane.org</a:t>
-            </a:r>
-            <a:r>
-              <a:rPr lang="en-US" sz="2000" dirty="0">
-                <a:solidFill>
-                  <a:srgbClr val="004A4A"/>
-                </a:solidFill>
-              </a:rPr>
-              <a:t>/</a:t>
-            </a:r>
-            <a:r>
-              <a:rPr lang="en-US" sz="2000" dirty="0" err="1">
-                <a:solidFill>
-                  <a:srgbClr val="004A4A"/>
-                </a:solidFill>
-              </a:rPr>
-              <a:t>gmane.science.biology.ensembl.devel</a:t>
-            </a:r>
-            <a:endParaRPr lang="en-US" sz="2000" dirty="0">
+              <a:t>true</a:t>
+            </a:r>
+            <a:endParaRPr lang="en-US" sz="1800" dirty="0" smtClean="0">
               <a:solidFill>
                 <a:srgbClr val="004A4A"/>
               </a:solidFill>
             </a:endParaRPr>
           </a:p>
           <a:p>
-            <a:pPr>
-              <a:spcBef>
-                <a:spcPts val="550"/>
-              </a:spcBef>
-              <a:buFont typeface="Times New Roman" charset="0"/>
-              <a:buChar char="•"/>
-              <a:defRPr/>
-            </a:pPr>
-            <a:r>
-              <a:rPr lang="en-US" sz="2400" dirty="0" err="1">
-                <a:solidFill>
-                  <a:srgbClr val="000080"/>
-                </a:solidFill>
-              </a:rPr>
-              <a:t>Ensembl</a:t>
-            </a:r>
-            <a:r>
-              <a:rPr lang="en-US" sz="2400" dirty="0">
-                <a:solidFill>
-                  <a:srgbClr val="000080"/>
-                </a:solidFill>
-              </a:rPr>
-              <a:t> helpdesk:</a:t>
-            </a:r>
-          </a:p>
-          <a:p>
-            <a:pPr>
-              <a:spcBef>
-                <a:spcPts val="500"/>
-              </a:spcBef>
-              <a:buClrTx/>
-              <a:buFontTx/>
-              <a:buNone/>
-              <a:defRPr/>
-            </a:pPr>
-            <a:r>
-              <a:rPr lang="en-US" sz="2400" dirty="0">
-                <a:solidFill>
-                  <a:srgbClr val="000080"/>
-                </a:solidFill>
-              </a:rPr>
-              <a:t>	</a:t>
-            </a:r>
-            <a:r>
-              <a:rPr lang="en-US" sz="2000" dirty="0" err="1">
+            <a:pPr lvl="1"/>
+            <a:r>
+              <a:rPr lang="en-US" sz="1800" dirty="0">
                 <a:solidFill>
                   <a:srgbClr val="004A4A"/>
                 </a:solidFill>
+                <a:hlinkClick r:id="rId4"/>
               </a:rPr>
-              <a:t>helpdesk@ensembl.org</a:t>
-            </a:r>
-            <a:endParaRPr lang="en-US" sz="2000" dirty="0">
+              <a:t>https://github.com/Ensembl/ensembl-presentation/blob/master/API/REST/REST_bitesized.pdf?raw=</a:t>
+            </a:r>
+            <a:r>
+              <a:rPr lang="en-US" sz="1800" dirty="0" smtClean="0">
+                <a:solidFill>
+                  <a:srgbClr val="004A4A"/>
+                </a:solidFill>
+                <a:hlinkClick r:id="rId4"/>
+              </a:rPr>
+              <a:t>true</a:t>
+            </a:r>
+            <a:endParaRPr lang="en-US" sz="1800" dirty="0" smtClean="0">
+              <a:solidFill>
+                <a:srgbClr val="004A4A"/>
+              </a:solidFill>
+            </a:endParaRPr>
+          </a:p>
+          <a:p>
+            <a:pPr lvl="1"/>
+            <a:endParaRPr lang="en-US" sz="1800" dirty="0">
               <a:solidFill>
                 <a:srgbClr val="004A4A"/>
               </a:solidFill>
@@ -17791,6 +17609,480 @@
 </file>
 
 <file path=ppt/slides/slide52.xml><?xml version="1.0" encoding="utf-8"?>
+<p:sld xmlns:a="http://schemas.openxmlformats.org/drawingml/2006/main" xmlns:r="http://schemas.openxmlformats.org/officeDocument/2006/relationships" xmlns:p="http://schemas.openxmlformats.org/presentationml/2006/main">
+  <p:cSld>
+    <p:spTree>
+      <p:nvGrpSpPr>
+        <p:cNvPr id="1" name=""/>
+        <p:cNvGrpSpPr/>
+        <p:nvPr/>
+      </p:nvGrpSpPr>
+      <p:grpSpPr>
+        <a:xfrm>
+          <a:off x="0" y="0"/>
+          <a:ext cx="0" cy="0"/>
+          <a:chOff x="0" y="0"/>
+          <a:chExt cx="0" cy="0"/>
+        </a:xfrm>
+      </p:grpSpPr>
+      <p:sp>
+        <p:nvSpPr>
+          <p:cNvPr id="2" name="Title 1"/>
+          <p:cNvSpPr>
+            <a:spLocks noGrp="1"/>
+          </p:cNvSpPr>
+          <p:nvPr>
+            <p:ph type="title"/>
+          </p:nvPr>
+        </p:nvSpPr>
+        <p:spPr/>
+        <p:txBody>
+          <a:bodyPr/>
+          <a:lstStyle/>
+          <a:p>
+            <a:r>
+              <a:rPr lang="en-US" dirty="0" smtClean="0"/>
+              <a:t>Documentation and Help</a:t>
+            </a:r>
+            <a:endParaRPr lang="en-US" dirty="0"/>
+          </a:p>
+        </p:txBody>
+      </p:sp>
+      <p:sp>
+        <p:nvSpPr>
+          <p:cNvPr id="3" name="Content Placeholder 2"/>
+          <p:cNvSpPr>
+            <a:spLocks noGrp="1"/>
+          </p:cNvSpPr>
+          <p:nvPr>
+            <p:ph idx="1"/>
+          </p:nvPr>
+        </p:nvSpPr>
+        <p:spPr>
+          <a:xfrm>
+            <a:off x="685800" y="1600199"/>
+            <a:ext cx="7772400" cy="4553441"/>
+          </a:xfrm>
+        </p:spPr>
+        <p:txBody>
+          <a:bodyPr/>
+          <a:lstStyle/>
+          <a:p>
+            <a:r>
+              <a:rPr lang="en-US" sz="2400" dirty="0">
+                <a:hlinkClick r:id="rId2"/>
+              </a:rPr>
+              <a:t>https://github.com/Ensembl/ensembl-presentation</a:t>
+            </a:r>
+            <a:r>
+              <a:rPr lang="en-US" sz="2400" dirty="0" smtClean="0">
+                <a:hlinkClick r:id="rId2"/>
+              </a:rPr>
+              <a:t>/</a:t>
+            </a:r>
+          </a:p>
+          <a:p>
+            <a:pPr lvl="1"/>
+            <a:r>
+              <a:rPr lang="en-US" dirty="0" smtClean="0"/>
+              <a:t>This presentation</a:t>
+            </a:r>
+            <a:endParaRPr lang="en-US" dirty="0">
+              <a:hlinkClick r:id="rId2"/>
+            </a:endParaRPr>
+          </a:p>
+          <a:p>
+            <a:r>
+              <a:rPr lang="en-US" sz="2400" dirty="0" smtClean="0">
+                <a:hlinkClick r:id="rId2"/>
+              </a:rPr>
+              <a:t>https</a:t>
+            </a:r>
+            <a:r>
+              <a:rPr lang="en-US" sz="2400" dirty="0">
+                <a:hlinkClick r:id="rId2"/>
+              </a:rPr>
+              <a:t>://github.com/Ensembl/ensembl-rest/</a:t>
+            </a:r>
+            <a:r>
+              <a:rPr lang="en-US" sz="2400" dirty="0" smtClean="0">
+                <a:hlinkClick r:id="rId2"/>
+              </a:rPr>
+              <a:t>wiki</a:t>
+            </a:r>
+            <a:endParaRPr lang="en-US" sz="2400" dirty="0" smtClean="0"/>
+          </a:p>
+          <a:p>
+            <a:pPr lvl="1"/>
+            <a:r>
+              <a:rPr lang="en-US" dirty="0" smtClean="0"/>
+              <a:t>How to write your first client</a:t>
+            </a:r>
+          </a:p>
+          <a:p>
+            <a:pPr lvl="1"/>
+            <a:r>
+              <a:rPr lang="en-US" dirty="0" smtClean="0"/>
+              <a:t>How to write POST requests</a:t>
+            </a:r>
+          </a:p>
+          <a:p>
+            <a:pPr>
+              <a:spcBef>
+                <a:spcPts val="550"/>
+              </a:spcBef>
+              <a:buFont typeface="Times New Roman" charset="0"/>
+              <a:buChar char="•"/>
+              <a:defRPr/>
+            </a:pPr>
+            <a:r>
+              <a:rPr lang="en-US" sz="2400" dirty="0" err="1">
+                <a:solidFill>
+                  <a:srgbClr val="000080"/>
+                </a:solidFill>
+              </a:rPr>
+              <a:t>dev@ensembl.org</a:t>
+            </a:r>
+            <a:r>
+              <a:rPr lang="en-US" sz="2400" dirty="0">
+                <a:solidFill>
+                  <a:srgbClr val="000080"/>
+                </a:solidFill>
+              </a:rPr>
+              <a:t> mailing list:</a:t>
+            </a:r>
+          </a:p>
+          <a:p>
+            <a:pPr>
+              <a:spcBef>
+                <a:spcPts val="500"/>
+              </a:spcBef>
+              <a:buClrTx/>
+              <a:buFontTx/>
+              <a:buNone/>
+              <a:defRPr/>
+            </a:pPr>
+            <a:r>
+              <a:rPr lang="en-US" sz="2400" dirty="0">
+                <a:solidFill>
+                  <a:srgbClr val="000080"/>
+                </a:solidFill>
+              </a:rPr>
+              <a:t> 	</a:t>
+            </a:r>
+            <a:r>
+              <a:rPr lang="en-US" sz="2000" dirty="0">
+                <a:solidFill>
+                  <a:srgbClr val="004A4A"/>
+                </a:solidFill>
+              </a:rPr>
+              <a:t>http://</a:t>
+            </a:r>
+            <a:r>
+              <a:rPr lang="en-US" sz="2000" dirty="0" err="1">
+                <a:solidFill>
+                  <a:srgbClr val="004A4A"/>
+                </a:solidFill>
+              </a:rPr>
+              <a:t>www.ensembl.org</a:t>
+            </a:r>
+            <a:r>
+              <a:rPr lang="en-US" sz="2000" dirty="0">
+                <a:solidFill>
+                  <a:srgbClr val="004A4A"/>
+                </a:solidFill>
+              </a:rPr>
+              <a:t>/info/about/contact/</a:t>
+            </a:r>
+            <a:r>
+              <a:rPr lang="en-US" sz="2000" dirty="0" err="1">
+                <a:solidFill>
+                  <a:srgbClr val="004A4A"/>
+                </a:solidFill>
+              </a:rPr>
+              <a:t>mailing.html</a:t>
+            </a:r>
+            <a:endParaRPr lang="en-US" sz="2000" dirty="0">
+              <a:solidFill>
+                <a:srgbClr val="004A4A"/>
+              </a:solidFill>
+            </a:endParaRPr>
+          </a:p>
+          <a:p>
+            <a:pPr>
+              <a:spcBef>
+                <a:spcPts val="500"/>
+              </a:spcBef>
+              <a:buClrTx/>
+              <a:buFontTx/>
+              <a:buNone/>
+              <a:defRPr/>
+            </a:pPr>
+            <a:r>
+              <a:rPr lang="en-US" sz="2000" dirty="0">
+                <a:solidFill>
+                  <a:srgbClr val="004A4A"/>
+                </a:solidFill>
+              </a:rPr>
+              <a:t>	</a:t>
+            </a:r>
+            <a:r>
+              <a:rPr lang="en-US" sz="2000" dirty="0" smtClean="0">
+                <a:solidFill>
+                  <a:srgbClr val="004A4A"/>
+                </a:solidFill>
+              </a:rPr>
+              <a:t>searchable mailing list archive: </a:t>
+            </a:r>
+          </a:p>
+          <a:p>
+            <a:pPr>
+              <a:spcBef>
+                <a:spcPts val="500"/>
+              </a:spcBef>
+              <a:buClrTx/>
+              <a:buFontTx/>
+              <a:buNone/>
+              <a:defRPr/>
+            </a:pPr>
+            <a:r>
+              <a:rPr lang="en-US" sz="2000" dirty="0" smtClean="0">
+                <a:solidFill>
+                  <a:srgbClr val="004A4A"/>
+                </a:solidFill>
+              </a:rPr>
+              <a:t>	http://</a:t>
+            </a:r>
+            <a:r>
+              <a:rPr lang="en-US" sz="2000" dirty="0" err="1" smtClean="0">
+                <a:solidFill>
+                  <a:srgbClr val="004A4A"/>
+                </a:solidFill>
+              </a:rPr>
+              <a:t>blog.gmane.org</a:t>
+            </a:r>
+            <a:r>
+              <a:rPr lang="en-US" sz="2000" dirty="0" smtClean="0">
+                <a:solidFill>
+                  <a:srgbClr val="004A4A"/>
+                </a:solidFill>
+              </a:rPr>
+              <a:t>/</a:t>
+            </a:r>
+            <a:r>
+              <a:rPr lang="en-US" sz="2000" dirty="0" err="1" smtClean="0">
+                <a:solidFill>
+                  <a:srgbClr val="004A4A"/>
+                </a:solidFill>
+              </a:rPr>
+              <a:t>gmane.science.biology.ensembl.devel</a:t>
+            </a:r>
+            <a:endParaRPr lang="en-US" sz="2000" dirty="0" smtClean="0">
+              <a:solidFill>
+                <a:srgbClr val="004A4A"/>
+              </a:solidFill>
+            </a:endParaRPr>
+          </a:p>
+          <a:p>
+            <a:pPr>
+              <a:spcBef>
+                <a:spcPts val="550"/>
+              </a:spcBef>
+              <a:buFont typeface="Times New Roman" charset="0"/>
+              <a:buChar char="•"/>
+              <a:defRPr/>
+            </a:pPr>
+            <a:r>
+              <a:rPr lang="en-US" sz="2400" dirty="0" err="1" smtClean="0">
+                <a:solidFill>
+                  <a:srgbClr val="000080"/>
+                </a:solidFill>
+              </a:rPr>
+              <a:t>Ensembl</a:t>
+            </a:r>
+            <a:r>
+              <a:rPr lang="en-US" sz="2400" dirty="0" smtClean="0">
+                <a:solidFill>
+                  <a:srgbClr val="000080"/>
+                </a:solidFill>
+              </a:rPr>
+              <a:t> helpdesk:</a:t>
+            </a:r>
+          </a:p>
+          <a:p>
+            <a:pPr>
+              <a:spcBef>
+                <a:spcPts val="500"/>
+              </a:spcBef>
+              <a:buClrTx/>
+              <a:buFontTx/>
+              <a:buNone/>
+              <a:defRPr/>
+            </a:pPr>
+            <a:r>
+              <a:rPr lang="en-US" sz="2400" dirty="0">
+                <a:solidFill>
+                  <a:srgbClr val="000080"/>
+                </a:solidFill>
+              </a:rPr>
+              <a:t>	</a:t>
+            </a:r>
+            <a:r>
+              <a:rPr lang="en-US" sz="2000" dirty="0" err="1">
+                <a:solidFill>
+                  <a:srgbClr val="004A4A"/>
+                </a:solidFill>
+              </a:rPr>
+              <a:t>helpdesk@ensembl.org</a:t>
+            </a:r>
+            <a:endParaRPr lang="en-US" sz="2000" dirty="0">
+              <a:solidFill>
+                <a:srgbClr val="004A4A"/>
+              </a:solidFill>
+            </a:endParaRPr>
+          </a:p>
+          <a:p>
+            <a:pPr marL="0" indent="0">
+              <a:buNone/>
+            </a:pPr>
+            <a:endParaRPr lang="en-US" dirty="0"/>
+          </a:p>
+        </p:txBody>
+      </p:sp>
+    </p:spTree>
+    <p:extLst>
+      <p:ext uri="{BB962C8B-B14F-4D97-AF65-F5344CB8AC3E}">
+        <p14:creationId xmlns:p14="http://schemas.microsoft.com/office/powerpoint/2010/main" val="1782346183"/>
+      </p:ext>
+    </p:extLst>
+  </p:cSld>
+  <p:clrMapOvr>
+    <a:masterClrMapping/>
+  </p:clrMapOvr>
+</p:sld>
+</file>
+
+<file path=ppt/slides/slide53.xml><?xml version="1.0" encoding="utf-8"?>
+<p:sld xmlns:a="http://schemas.openxmlformats.org/drawingml/2006/main" xmlns:r="http://schemas.openxmlformats.org/officeDocument/2006/relationships" xmlns:p="http://schemas.openxmlformats.org/presentationml/2006/main">
+  <p:cSld>
+    <p:spTree>
+      <p:nvGrpSpPr>
+        <p:cNvPr id="1" name=""/>
+        <p:cNvGrpSpPr/>
+        <p:nvPr/>
+      </p:nvGrpSpPr>
+      <p:grpSpPr>
+        <a:xfrm>
+          <a:off x="0" y="0"/>
+          <a:ext cx="0" cy="0"/>
+          <a:chOff x="0" y="0"/>
+          <a:chExt cx="0" cy="0"/>
+        </a:xfrm>
+      </p:grpSpPr>
+      <p:sp>
+        <p:nvSpPr>
+          <p:cNvPr id="2" name="Title 1"/>
+          <p:cNvSpPr>
+            <a:spLocks noGrp="1"/>
+          </p:cNvSpPr>
+          <p:nvPr>
+            <p:ph type="title"/>
+          </p:nvPr>
+        </p:nvSpPr>
+        <p:spPr/>
+        <p:txBody>
+          <a:bodyPr/>
+          <a:lstStyle/>
+          <a:p>
+            <a:r>
+              <a:rPr lang="en-US" dirty="0" smtClean="0"/>
+              <a:t>Feedback</a:t>
+            </a:r>
+            <a:endParaRPr lang="en-US" dirty="0"/>
+          </a:p>
+        </p:txBody>
+      </p:sp>
+      <p:sp>
+        <p:nvSpPr>
+          <p:cNvPr id="3" name="Content Placeholder 2"/>
+          <p:cNvSpPr>
+            <a:spLocks noGrp="1"/>
+          </p:cNvSpPr>
+          <p:nvPr>
+            <p:ph idx="1"/>
+          </p:nvPr>
+        </p:nvSpPr>
+        <p:spPr>
+          <a:xfrm>
+            <a:off x="685800" y="1600199"/>
+            <a:ext cx="7772400" cy="4553441"/>
+          </a:xfrm>
+        </p:spPr>
+        <p:txBody>
+          <a:bodyPr/>
+          <a:lstStyle/>
+          <a:p>
+            <a:pPr marL="0" indent="0">
+              <a:buNone/>
+            </a:pPr>
+            <a:r>
+              <a:rPr lang="en-US" sz="2400" dirty="0">
+                <a:hlinkClick r:id="rId2"/>
+              </a:rPr>
+              <a:t>http://</a:t>
+            </a:r>
+            <a:r>
+              <a:rPr lang="en-US" sz="2400" dirty="0" err="1">
+                <a:hlinkClick r:id="rId2"/>
+              </a:rPr>
+              <a:t>tinyurl.com</a:t>
+            </a:r>
+            <a:r>
+              <a:rPr lang="en-US" sz="2400" dirty="0">
+                <a:hlinkClick r:id="rId2"/>
+              </a:rPr>
+              <a:t>/</a:t>
+            </a:r>
+            <a:r>
+              <a:rPr lang="en-US" sz="2400" dirty="0" err="1">
+                <a:hlinkClick r:id="rId2"/>
+              </a:rPr>
+              <a:t>Ensembl</a:t>
+            </a:r>
+            <a:r>
+              <a:rPr lang="en-US" sz="2400" dirty="0">
+                <a:hlinkClick r:id="rId2"/>
+              </a:rPr>
+              <a:t>-REST</a:t>
+            </a:r>
+            <a:endParaRPr lang="en-US" sz="2000" dirty="0" smtClean="0">
+              <a:solidFill>
+                <a:srgbClr val="004A4A"/>
+              </a:solidFill>
+            </a:endParaRPr>
+          </a:p>
+          <a:p>
+            <a:pPr marL="0" indent="0">
+              <a:buNone/>
+            </a:pPr>
+            <a:endParaRPr lang="en-US" dirty="0"/>
+          </a:p>
+        </p:txBody>
+      </p:sp>
+    </p:spTree>
+    <p:extLst>
+      <p:ext uri="{BB962C8B-B14F-4D97-AF65-F5344CB8AC3E}">
+        <p14:creationId xmlns:p14="http://schemas.microsoft.com/office/powerpoint/2010/main" val="2688810219"/>
+      </p:ext>
+    </p:extLst>
+  </p:cSld>
+  <p:clrMapOvr>
+    <a:masterClrMapping/>
+  </p:clrMapOvr>
+</p:sld>
+</file>
+
+<file path=ppt/slides/slide54.xml><?xml version="1.0" encoding="utf-8"?>
 <p:sld xmlns:a="http://schemas.openxmlformats.org/drawingml/2006/main" xmlns:r="http://schemas.openxmlformats.org/officeDocument/2006/relationships" xmlns:p="http://schemas.openxmlformats.org/presentationml/2006/main">
   <p:cSld>
     <p:spTree>
@@ -18566,7 +18858,7 @@
 </p:sld>
 </file>
 
-<file path=ppt/slides/slide53.xml><?xml version="1.0" encoding="utf-8"?>
+<file path=ppt/slides/slide55.xml><?xml version="1.0" encoding="utf-8"?>
 <p:sld xmlns:a="http://schemas.openxmlformats.org/drawingml/2006/main" xmlns:r="http://schemas.openxmlformats.org/officeDocument/2006/relationships" xmlns:p="http://schemas.openxmlformats.org/presentationml/2006/main">
   <p:cSld>
     <p:spTree>
@@ -19627,7 +19919,7 @@
 </p:sld>
 </file>
 
-<file path=ppt/slides/slide54.xml><?xml version="1.0" encoding="utf-8"?>
+<file path=ppt/slides/slide56.xml><?xml version="1.0" encoding="utf-8"?>
 <p:sld xmlns:a="http://schemas.openxmlformats.org/drawingml/2006/main" xmlns:r="http://schemas.openxmlformats.org/officeDocument/2006/relationships" xmlns:p="http://schemas.openxmlformats.org/presentationml/2006/main">
   <p:cSld>
     <p:spTree>
@@ -20270,7 +20562,7 @@
 </p:sld>
 </file>
 
-<file path=ppt/slides/slide55.xml><?xml version="1.0" encoding="utf-8"?>
+<file path=ppt/slides/slide57.xml><?xml version="1.0" encoding="utf-8"?>
 <p:sld xmlns:a="http://schemas.openxmlformats.org/drawingml/2006/main" xmlns:r="http://schemas.openxmlformats.org/officeDocument/2006/relationships" xmlns:p="http://schemas.openxmlformats.org/presentationml/2006/main">
   <p:cSld>
     <p:spTree>
@@ -20355,7 +20647,7 @@
 </p:sld>
 </file>
 
-<file path=ppt/slides/slide56.xml><?xml version="1.0" encoding="utf-8"?>
+<file path=ppt/slides/slide58.xml><?xml version="1.0" encoding="utf-8"?>
 <p:sld xmlns:a="http://schemas.openxmlformats.org/drawingml/2006/main" xmlns:r="http://schemas.openxmlformats.org/officeDocument/2006/relationships" xmlns:p="http://schemas.openxmlformats.org/presentationml/2006/main">
   <p:cSld>
     <p:spTree>
@@ -20487,7 +20779,7 @@
 </p:sld>
 </file>
 
-<file path=ppt/slides/slide57.xml><?xml version="1.0" encoding="utf-8"?>
+<file path=ppt/slides/slide59.xml><?xml version="1.0" encoding="utf-8"?>
 <p:sld xmlns:a="http://schemas.openxmlformats.org/drawingml/2006/main" xmlns:r="http://schemas.openxmlformats.org/officeDocument/2006/relationships" xmlns:p="http://schemas.openxmlformats.org/presentationml/2006/main">
   <p:cSld>
     <p:spTree>
@@ -20723,7 +21015,245 @@
 </p:sld>
 </file>
 
-<file path=ppt/slides/slide58.xml><?xml version="1.0" encoding="utf-8"?>
+<file path=ppt/slides/slide6.xml><?xml version="1.0" encoding="utf-8"?>
+<p:sld xmlns:a="http://schemas.openxmlformats.org/drawingml/2006/main" xmlns:r="http://schemas.openxmlformats.org/officeDocument/2006/relationships" xmlns:p="http://schemas.openxmlformats.org/presentationml/2006/main">
+  <p:cSld>
+    <p:spTree>
+      <p:nvGrpSpPr>
+        <p:cNvPr id="1" name=""/>
+        <p:cNvGrpSpPr/>
+        <p:nvPr/>
+      </p:nvGrpSpPr>
+      <p:grpSpPr>
+        <a:xfrm>
+          <a:off x="0" y="0"/>
+          <a:ext cx="0" cy="0"/>
+          <a:chOff x="0" y="0"/>
+          <a:chExt cx="0" cy="0"/>
+        </a:xfrm>
+      </p:grpSpPr>
+      <p:sp>
+        <p:nvSpPr>
+          <p:cNvPr id="2" name="Title 1"/>
+          <p:cNvSpPr>
+            <a:spLocks noGrp="1"/>
+          </p:cNvSpPr>
+          <p:nvPr>
+            <p:ph type="title"/>
+          </p:nvPr>
+        </p:nvSpPr>
+        <p:spPr/>
+        <p:txBody>
+          <a:bodyPr/>
+          <a:lstStyle/>
+          <a:p>
+            <a:r>
+              <a:rPr lang="en-US" dirty="0" smtClean="0"/>
+              <a:t>What Is A REST API</a:t>
+            </a:r>
+            <a:endParaRPr lang="en-US" dirty="0"/>
+          </a:p>
+        </p:txBody>
+      </p:sp>
+      <p:sp>
+        <p:nvSpPr>
+          <p:cNvPr id="3" name="Content Placeholder 2"/>
+          <p:cNvSpPr>
+            <a:spLocks noGrp="1"/>
+          </p:cNvSpPr>
+          <p:nvPr>
+            <p:ph idx="1"/>
+          </p:nvPr>
+        </p:nvSpPr>
+        <p:spPr/>
+        <p:txBody>
+          <a:bodyPr/>
+          <a:lstStyle/>
+          <a:p>
+            <a:r>
+              <a:rPr lang="en-US" b="1" dirty="0" err="1" smtClean="0"/>
+              <a:t>RE</a:t>
+            </a:r>
+            <a:r>
+              <a:rPr lang="en-US" dirty="0" err="1" smtClean="0"/>
+              <a:t>presentational</a:t>
+            </a:r>
+            <a:r>
+              <a:rPr lang="en-US" dirty="0" smtClean="0"/>
+              <a:t> </a:t>
+            </a:r>
+            <a:r>
+              <a:rPr lang="en-US" b="1" dirty="0"/>
+              <a:t>S</a:t>
+            </a:r>
+            <a:r>
+              <a:rPr lang="en-US" dirty="0"/>
+              <a:t>tate </a:t>
+            </a:r>
+            <a:r>
+              <a:rPr lang="en-US" b="1" dirty="0"/>
+              <a:t>T</a:t>
+            </a:r>
+            <a:r>
+              <a:rPr lang="en-US" dirty="0"/>
+              <a:t>ransfer</a:t>
+            </a:r>
+          </a:p>
+          <a:p>
+            <a:endParaRPr lang="en-US" dirty="0" smtClean="0"/>
+          </a:p>
+          <a:p>
+            <a:r>
+              <a:rPr lang="en-US" dirty="0" smtClean="0"/>
+              <a:t>Simple APIs with very few external dependencies</a:t>
+            </a:r>
+          </a:p>
+          <a:p>
+            <a:endParaRPr lang="en-US" dirty="0"/>
+          </a:p>
+          <a:p>
+            <a:r>
+              <a:rPr lang="en-US" dirty="0" smtClean="0"/>
+              <a:t>Can use the web (HTTP) to communicate</a:t>
+            </a:r>
+          </a:p>
+          <a:p>
+            <a:endParaRPr lang="en-US" dirty="0"/>
+          </a:p>
+          <a:p>
+            <a:r>
+              <a:rPr lang="en-US" dirty="0" smtClean="0"/>
+              <a:t>Can be queried by</a:t>
+            </a:r>
+          </a:p>
+          <a:p>
+            <a:pPr lvl="1"/>
+            <a:r>
+              <a:rPr lang="en-US" dirty="0" smtClean="0"/>
+              <a:t>Web browsers</a:t>
+            </a:r>
+          </a:p>
+          <a:p>
+            <a:pPr lvl="1"/>
+            <a:r>
+              <a:rPr lang="en-US" dirty="0" smtClean="0"/>
+              <a:t>Command line tools</a:t>
+            </a:r>
+          </a:p>
+          <a:p>
+            <a:pPr lvl="1"/>
+            <a:r>
+              <a:rPr lang="en-US" dirty="0" smtClean="0"/>
+              <a:t>Programming languages</a:t>
+            </a:r>
+            <a:endParaRPr lang="en-US" dirty="0"/>
+          </a:p>
+        </p:txBody>
+      </p:sp>
+      <p:pic>
+        <p:nvPicPr>
+          <p:cNvPr id="4" name="Picture 3" descr="images.jpg"/>
+          <p:cNvPicPr>
+            <a:picLocks noChangeAspect="1"/>
+          </p:cNvPicPr>
+          <p:nvPr/>
+        </p:nvPicPr>
+        <p:blipFill>
+          <a:blip r:embed="rId2">
+            <a:extLst>
+              <a:ext uri="{28A0092B-C50C-407E-A947-70E740481C1C}">
+                <a14:useLocalDpi xmlns:a14="http://schemas.microsoft.com/office/drawing/2010/main" val="0"/>
+              </a:ext>
+            </a:extLst>
+          </a:blip>
+          <a:stretch>
+            <a:fillRect/>
+          </a:stretch>
+        </p:blipFill>
+        <p:spPr>
+          <a:xfrm>
+            <a:off x="7298290" y="4524030"/>
+            <a:ext cx="1257603" cy="1252014"/>
+          </a:xfrm>
+          <a:prstGeom prst="rect">
+            <a:avLst/>
+          </a:prstGeom>
+          <a:ln>
+            <a:noFill/>
+          </a:ln>
+          <a:effectLst>
+            <a:outerShdw blurRad="292100" dist="139700" dir="2700000" algn="tl" rotWithShape="0">
+              <a:srgbClr val="333333">
+                <a:alpha val="65000"/>
+              </a:srgbClr>
+            </a:outerShdw>
+          </a:effectLst>
+        </p:spPr>
+      </p:pic>
+      <p:pic>
+        <p:nvPicPr>
+          <p:cNvPr id="6" name="Picture 5" descr="url.jpg"/>
+          <p:cNvPicPr>
+            <a:picLocks noChangeAspect="1"/>
+          </p:cNvPicPr>
+          <p:nvPr/>
+        </p:nvPicPr>
+        <p:blipFill>
+          <a:blip r:embed="rId3">
+            <a:extLst>
+              <a:ext uri="{28A0092B-C50C-407E-A947-70E740481C1C}">
+                <a14:useLocalDpi xmlns:a14="http://schemas.microsoft.com/office/drawing/2010/main" val="0"/>
+              </a:ext>
+            </a:extLst>
+          </a:blip>
+          <a:stretch>
+            <a:fillRect/>
+          </a:stretch>
+        </p:blipFill>
+        <p:spPr>
+          <a:xfrm>
+            <a:off x="4212862" y="4060960"/>
+            <a:ext cx="2866338" cy="962853"/>
+          </a:xfrm>
+          <a:prstGeom prst="roundRect">
+            <a:avLst>
+              <a:gd name="adj" fmla="val 8594"/>
+            </a:avLst>
+          </a:prstGeom>
+          <a:solidFill>
+            <a:srgbClr val="FFFFFF">
+              <a:shade val="85000"/>
+            </a:srgbClr>
+          </a:solidFill>
+          <a:ln>
+            <a:noFill/>
+          </a:ln>
+          <a:effectLst>
+            <a:reflection blurRad="12700" stA="38000" endPos="28000" dist="5000" dir="5400000" sy="-100000" algn="bl" rotWithShape="0"/>
+          </a:effectLst>
+        </p:spPr>
+      </p:pic>
+    </p:spTree>
+    <p:extLst>
+      <p:ext uri="{BB962C8B-B14F-4D97-AF65-F5344CB8AC3E}">
+        <p14:creationId xmlns:p14="http://schemas.microsoft.com/office/powerpoint/2010/main" val="1579477409"/>
+      </p:ext>
+    </p:extLst>
+  </p:cSld>
+  <p:clrMapOvr>
+    <a:masterClrMapping/>
+  </p:clrMapOvr>
+  <p:timing>
+    <p:tnLst>
+      <p:par>
+        <p:cTn xmlns:p14="http://schemas.microsoft.com/office/powerpoint/2010/main" id="1" dur="indefinite" restart="never" nodeType="tmRoot"/>
+      </p:par>
+    </p:tnLst>
+  </p:timing>
+</p:sld>
+</file>
+
+<file path=ppt/slides/slide60.xml><?xml version="1.0" encoding="utf-8"?>
 <p:sld xmlns:a="http://schemas.openxmlformats.org/drawingml/2006/main" xmlns:r="http://schemas.openxmlformats.org/officeDocument/2006/relationships" xmlns:p="http://schemas.openxmlformats.org/presentationml/2006/main">
   <p:cSld>
     <p:spTree>
@@ -21266,7 +21796,7 @@
 </p:sld>
 </file>
 
-<file path=ppt/slides/slide59.xml><?xml version="1.0" encoding="utf-8"?>
+<file path=ppt/slides/slide61.xml><?xml version="1.0" encoding="utf-8"?>
 <p:sld xmlns:a="http://schemas.openxmlformats.org/drawingml/2006/main" xmlns:r="http://schemas.openxmlformats.org/officeDocument/2006/relationships" xmlns:p="http://schemas.openxmlformats.org/presentationml/2006/main">
   <p:cSld>
     <p:spTree>
@@ -22218,245 +22748,7 @@
 </p:sld>
 </file>
 
-<file path=ppt/slides/slide6.xml><?xml version="1.0" encoding="utf-8"?>
-<p:sld xmlns:a="http://schemas.openxmlformats.org/drawingml/2006/main" xmlns:r="http://schemas.openxmlformats.org/officeDocument/2006/relationships" xmlns:p="http://schemas.openxmlformats.org/presentationml/2006/main">
-  <p:cSld>
-    <p:spTree>
-      <p:nvGrpSpPr>
-        <p:cNvPr id="1" name=""/>
-        <p:cNvGrpSpPr/>
-        <p:nvPr/>
-      </p:nvGrpSpPr>
-      <p:grpSpPr>
-        <a:xfrm>
-          <a:off x="0" y="0"/>
-          <a:ext cx="0" cy="0"/>
-          <a:chOff x="0" y="0"/>
-          <a:chExt cx="0" cy="0"/>
-        </a:xfrm>
-      </p:grpSpPr>
-      <p:sp>
-        <p:nvSpPr>
-          <p:cNvPr id="2" name="Title 1"/>
-          <p:cNvSpPr>
-            <a:spLocks noGrp="1"/>
-          </p:cNvSpPr>
-          <p:nvPr>
-            <p:ph type="title"/>
-          </p:nvPr>
-        </p:nvSpPr>
-        <p:spPr/>
-        <p:txBody>
-          <a:bodyPr/>
-          <a:lstStyle/>
-          <a:p>
-            <a:r>
-              <a:rPr lang="en-US" dirty="0" smtClean="0"/>
-              <a:t>What Is A REST API</a:t>
-            </a:r>
-            <a:endParaRPr lang="en-US" dirty="0"/>
-          </a:p>
-        </p:txBody>
-      </p:sp>
-      <p:sp>
-        <p:nvSpPr>
-          <p:cNvPr id="3" name="Content Placeholder 2"/>
-          <p:cNvSpPr>
-            <a:spLocks noGrp="1"/>
-          </p:cNvSpPr>
-          <p:nvPr>
-            <p:ph idx="1"/>
-          </p:nvPr>
-        </p:nvSpPr>
-        <p:spPr/>
-        <p:txBody>
-          <a:bodyPr/>
-          <a:lstStyle/>
-          <a:p>
-            <a:r>
-              <a:rPr lang="en-US" b="1" dirty="0" err="1" smtClean="0"/>
-              <a:t>RE</a:t>
-            </a:r>
-            <a:r>
-              <a:rPr lang="en-US" dirty="0" err="1" smtClean="0"/>
-              <a:t>presentational</a:t>
-            </a:r>
-            <a:r>
-              <a:rPr lang="en-US" dirty="0" smtClean="0"/>
-              <a:t> </a:t>
-            </a:r>
-            <a:r>
-              <a:rPr lang="en-US" b="1" dirty="0"/>
-              <a:t>S</a:t>
-            </a:r>
-            <a:r>
-              <a:rPr lang="en-US" dirty="0"/>
-              <a:t>tate </a:t>
-            </a:r>
-            <a:r>
-              <a:rPr lang="en-US" b="1" dirty="0"/>
-              <a:t>T</a:t>
-            </a:r>
-            <a:r>
-              <a:rPr lang="en-US" dirty="0"/>
-              <a:t>ransfer</a:t>
-            </a:r>
-          </a:p>
-          <a:p>
-            <a:endParaRPr lang="en-US" dirty="0" smtClean="0"/>
-          </a:p>
-          <a:p>
-            <a:r>
-              <a:rPr lang="en-US" dirty="0" smtClean="0"/>
-              <a:t>Simple APIs with very few external dependencies</a:t>
-            </a:r>
-          </a:p>
-          <a:p>
-            <a:endParaRPr lang="en-US" dirty="0"/>
-          </a:p>
-          <a:p>
-            <a:r>
-              <a:rPr lang="en-US" dirty="0" smtClean="0"/>
-              <a:t>Can use the web (HTTP) to communicate</a:t>
-            </a:r>
-          </a:p>
-          <a:p>
-            <a:endParaRPr lang="en-US" dirty="0"/>
-          </a:p>
-          <a:p>
-            <a:r>
-              <a:rPr lang="en-US" dirty="0" smtClean="0"/>
-              <a:t>Can be queried by</a:t>
-            </a:r>
-          </a:p>
-          <a:p>
-            <a:pPr lvl="1"/>
-            <a:r>
-              <a:rPr lang="en-US" dirty="0" smtClean="0"/>
-              <a:t>Web browsers</a:t>
-            </a:r>
-          </a:p>
-          <a:p>
-            <a:pPr lvl="1"/>
-            <a:r>
-              <a:rPr lang="en-US" dirty="0" smtClean="0"/>
-              <a:t>Command line tools</a:t>
-            </a:r>
-          </a:p>
-          <a:p>
-            <a:pPr lvl="1"/>
-            <a:r>
-              <a:rPr lang="en-US" dirty="0" smtClean="0"/>
-              <a:t>Programming languages</a:t>
-            </a:r>
-            <a:endParaRPr lang="en-US" dirty="0"/>
-          </a:p>
-        </p:txBody>
-      </p:sp>
-      <p:pic>
-        <p:nvPicPr>
-          <p:cNvPr id="4" name="Picture 3" descr="images.jpg"/>
-          <p:cNvPicPr>
-            <a:picLocks noChangeAspect="1"/>
-          </p:cNvPicPr>
-          <p:nvPr/>
-        </p:nvPicPr>
-        <p:blipFill>
-          <a:blip r:embed="rId2">
-            <a:extLst>
-              <a:ext uri="{28A0092B-C50C-407E-A947-70E740481C1C}">
-                <a14:useLocalDpi xmlns:a14="http://schemas.microsoft.com/office/drawing/2010/main" val="0"/>
-              </a:ext>
-            </a:extLst>
-          </a:blip>
-          <a:stretch>
-            <a:fillRect/>
-          </a:stretch>
-        </p:blipFill>
-        <p:spPr>
-          <a:xfrm>
-            <a:off x="7298290" y="4524030"/>
-            <a:ext cx="1257603" cy="1252014"/>
-          </a:xfrm>
-          <a:prstGeom prst="rect">
-            <a:avLst/>
-          </a:prstGeom>
-          <a:ln>
-            <a:noFill/>
-          </a:ln>
-          <a:effectLst>
-            <a:outerShdw blurRad="292100" dist="139700" dir="2700000" algn="tl" rotWithShape="0">
-              <a:srgbClr val="333333">
-                <a:alpha val="65000"/>
-              </a:srgbClr>
-            </a:outerShdw>
-          </a:effectLst>
-        </p:spPr>
-      </p:pic>
-      <p:pic>
-        <p:nvPicPr>
-          <p:cNvPr id="6" name="Picture 5" descr="url.jpg"/>
-          <p:cNvPicPr>
-            <a:picLocks noChangeAspect="1"/>
-          </p:cNvPicPr>
-          <p:nvPr/>
-        </p:nvPicPr>
-        <p:blipFill>
-          <a:blip r:embed="rId3">
-            <a:extLst>
-              <a:ext uri="{28A0092B-C50C-407E-A947-70E740481C1C}">
-                <a14:useLocalDpi xmlns:a14="http://schemas.microsoft.com/office/drawing/2010/main" val="0"/>
-              </a:ext>
-            </a:extLst>
-          </a:blip>
-          <a:stretch>
-            <a:fillRect/>
-          </a:stretch>
-        </p:blipFill>
-        <p:spPr>
-          <a:xfrm>
-            <a:off x="4212862" y="4060960"/>
-            <a:ext cx="2866338" cy="962853"/>
-          </a:xfrm>
-          <a:prstGeom prst="roundRect">
-            <a:avLst>
-              <a:gd name="adj" fmla="val 8594"/>
-            </a:avLst>
-          </a:prstGeom>
-          <a:solidFill>
-            <a:srgbClr val="FFFFFF">
-              <a:shade val="85000"/>
-            </a:srgbClr>
-          </a:solidFill>
-          <a:ln>
-            <a:noFill/>
-          </a:ln>
-          <a:effectLst>
-            <a:reflection blurRad="12700" stA="38000" endPos="28000" dist="5000" dir="5400000" sy="-100000" algn="bl" rotWithShape="0"/>
-          </a:effectLst>
-        </p:spPr>
-      </p:pic>
-    </p:spTree>
-    <p:extLst>
-      <p:ext uri="{BB962C8B-B14F-4D97-AF65-F5344CB8AC3E}">
-        <p14:creationId xmlns:p14="http://schemas.microsoft.com/office/powerpoint/2010/main" val="1579477409"/>
-      </p:ext>
-    </p:extLst>
-  </p:cSld>
-  <p:clrMapOvr>
-    <a:masterClrMapping/>
-  </p:clrMapOvr>
-  <p:timing>
-    <p:tnLst>
-      <p:par>
-        <p:cTn xmlns:p14="http://schemas.microsoft.com/office/powerpoint/2010/main" id="1" dur="indefinite" restart="never" nodeType="tmRoot"/>
-      </p:par>
-    </p:tnLst>
-  </p:timing>
-</p:sld>
-</file>
-
-<file path=ppt/slides/slide60.xml><?xml version="1.0" encoding="utf-8"?>
+<file path=ppt/slides/slide62.xml><?xml version="1.0" encoding="utf-8"?>
 <p:sld xmlns:a="http://schemas.openxmlformats.org/drawingml/2006/main" xmlns:r="http://schemas.openxmlformats.org/officeDocument/2006/relationships" xmlns:p="http://schemas.openxmlformats.org/presentationml/2006/main">
   <p:cSld>
     <p:spTree>
@@ -23234,7 +23526,7 @@
 </p:sld>
 </file>
 
-<file path=ppt/slides/slide61.xml><?xml version="1.0" encoding="utf-8"?>
+<file path=ppt/slides/slide63.xml><?xml version="1.0" encoding="utf-8"?>
 <p:sld xmlns:a="http://schemas.openxmlformats.org/drawingml/2006/main" xmlns:r="http://schemas.openxmlformats.org/officeDocument/2006/relationships" xmlns:p="http://schemas.openxmlformats.org/presentationml/2006/main">
   <p:cSld>
     <p:spTree>
@@ -23909,7 +24201,7 @@
 </p:sld>
 </file>
 
-<file path=ppt/slides/slide62.xml><?xml version="1.0" encoding="utf-8"?>
+<file path=ppt/slides/slide64.xml><?xml version="1.0" encoding="utf-8"?>
 <p:sld xmlns:a="http://schemas.openxmlformats.org/drawingml/2006/main" xmlns:r="http://schemas.openxmlformats.org/officeDocument/2006/relationships" xmlns:p="http://schemas.openxmlformats.org/presentationml/2006/main">
   <p:cSld>
     <p:spTree>
